--- a/doc/Presentation_Minicraft.pptx
+++ b/doc/Presentation_Minicraft.pptx
@@ -4,13 +4,18 @@
   <p:sldMasterIdLst>
     <p:sldMasterId id="2147483684" r:id="rId1"/>
   </p:sldMasterIdLst>
+  <p:notesMasterIdLst>
+    <p:notesMasterId r:id="rId10"/>
+  </p:notesMasterIdLst>
   <p:sldIdLst>
     <p:sldId id="256" r:id="rId2"/>
     <p:sldId id="257" r:id="rId3"/>
     <p:sldId id="262" r:id="rId4"/>
     <p:sldId id="258" r:id="rId5"/>
-    <p:sldId id="259" r:id="rId6"/>
-    <p:sldId id="261" r:id="rId7"/>
+    <p:sldId id="263" r:id="rId6"/>
+    <p:sldId id="259" r:id="rId7"/>
+    <p:sldId id="261" r:id="rId8"/>
+    <p:sldId id="264" r:id="rId9"/>
   </p:sldIdLst>
   <p:sldSz cx="9144000" cy="6858000" type="screen4x3"/>
   <p:notesSz cx="6858000" cy="9144000"/>
@@ -112,6 +117,1023 @@
 </p:presentation>
 </file>
 
+<file path=ppt/notesMasters/notesMaster1.xml><?xml version="1.0" encoding="utf-8"?>
+<p:notesMaster xmlns:a="http://schemas.openxmlformats.org/drawingml/2006/main" xmlns:r="http://schemas.openxmlformats.org/officeDocument/2006/relationships" xmlns:p="http://schemas.openxmlformats.org/presentationml/2006/main">
+  <p:cSld>
+    <p:bg>
+      <p:bgRef idx="1001">
+        <a:schemeClr val="bg1"/>
+      </p:bgRef>
+    </p:bg>
+    <p:spTree>
+      <p:nvGrpSpPr>
+        <p:cNvPr id="1" name=""/>
+        <p:cNvGrpSpPr/>
+        <p:nvPr/>
+      </p:nvGrpSpPr>
+      <p:grpSpPr>
+        <a:xfrm>
+          <a:off x="0" y="0"/>
+          <a:ext cx="0" cy="0"/>
+          <a:chOff x="0" y="0"/>
+          <a:chExt cx="0" cy="0"/>
+        </a:xfrm>
+      </p:grpSpPr>
+      <p:sp>
+        <p:nvSpPr>
+          <p:cNvPr id="2" name="Espace réservé de l'en-tête 1"/>
+          <p:cNvSpPr>
+            <a:spLocks noGrp="1"/>
+          </p:cNvSpPr>
+          <p:nvPr>
+            <p:ph type="hdr" sz="quarter"/>
+          </p:nvPr>
+        </p:nvSpPr>
+        <p:spPr>
+          <a:xfrm>
+            <a:off x="0" y="0"/>
+            <a:ext cx="2971800" cy="457200"/>
+          </a:xfrm>
+          <a:prstGeom prst="rect">
+            <a:avLst/>
+          </a:prstGeom>
+        </p:spPr>
+        <p:txBody>
+          <a:bodyPr vert="horz" lIns="91440" tIns="45720" rIns="91440" bIns="45720" rtlCol="0"/>
+          <a:lstStyle>
+            <a:lvl1pPr algn="l">
+              <a:defRPr sz="1200"/>
+            </a:lvl1pPr>
+          </a:lstStyle>
+          <a:p>
+            <a:endParaRPr lang="fr-FR"/>
+          </a:p>
+        </p:txBody>
+      </p:sp>
+      <p:sp>
+        <p:nvSpPr>
+          <p:cNvPr id="3" name="Espace réservé de la date 2"/>
+          <p:cNvSpPr>
+            <a:spLocks noGrp="1"/>
+          </p:cNvSpPr>
+          <p:nvPr>
+            <p:ph type="dt" idx="1"/>
+          </p:nvPr>
+        </p:nvSpPr>
+        <p:spPr>
+          <a:xfrm>
+            <a:off x="3884613" y="0"/>
+            <a:ext cx="2971800" cy="457200"/>
+          </a:xfrm>
+          <a:prstGeom prst="rect">
+            <a:avLst/>
+          </a:prstGeom>
+        </p:spPr>
+        <p:txBody>
+          <a:bodyPr vert="horz" lIns="91440" tIns="45720" rIns="91440" bIns="45720" rtlCol="0"/>
+          <a:lstStyle>
+            <a:lvl1pPr algn="r">
+              <a:defRPr sz="1200"/>
+            </a:lvl1pPr>
+          </a:lstStyle>
+          <a:p>
+            <a:fld id="{E8F670CC-5A07-4CE5-BD2F-D26540F12F59}" type="datetimeFigureOut">
+              <a:rPr lang="fr-FR" smtClean="0"/>
+              <a:t>13/06/2013</a:t>
+            </a:fld>
+            <a:endParaRPr lang="fr-FR"/>
+          </a:p>
+        </p:txBody>
+      </p:sp>
+      <p:sp>
+        <p:nvSpPr>
+          <p:cNvPr id="4" name="Espace réservé de l'image des diapositives 3"/>
+          <p:cNvSpPr>
+            <a:spLocks noGrp="1" noRot="1" noChangeAspect="1"/>
+          </p:cNvSpPr>
+          <p:nvPr>
+            <p:ph type="sldImg" idx="2"/>
+          </p:nvPr>
+        </p:nvSpPr>
+        <p:spPr>
+          <a:xfrm>
+            <a:off x="1143000" y="685800"/>
+            <a:ext cx="4572000" cy="3429000"/>
+          </a:xfrm>
+          <a:prstGeom prst="rect">
+            <a:avLst/>
+          </a:prstGeom>
+          <a:noFill/>
+          <a:ln w="12700">
+            <a:solidFill>
+              <a:prstClr val="black"/>
+            </a:solidFill>
+          </a:ln>
+        </p:spPr>
+        <p:txBody>
+          <a:bodyPr vert="horz" lIns="91440" tIns="45720" rIns="91440" bIns="45720" rtlCol="0" anchor="ctr"/>
+          <a:lstStyle/>
+          <a:p>
+            <a:endParaRPr lang="fr-FR"/>
+          </a:p>
+        </p:txBody>
+      </p:sp>
+      <p:sp>
+        <p:nvSpPr>
+          <p:cNvPr id="5" name="Espace réservé des commentaires 4"/>
+          <p:cNvSpPr>
+            <a:spLocks noGrp="1"/>
+          </p:cNvSpPr>
+          <p:nvPr>
+            <p:ph type="body" sz="quarter" idx="3"/>
+          </p:nvPr>
+        </p:nvSpPr>
+        <p:spPr>
+          <a:xfrm>
+            <a:off x="685800" y="4343400"/>
+            <a:ext cx="5486400" cy="4114800"/>
+          </a:xfrm>
+          <a:prstGeom prst="rect">
+            <a:avLst/>
+          </a:prstGeom>
+        </p:spPr>
+        <p:txBody>
+          <a:bodyPr vert="horz" lIns="91440" tIns="45720" rIns="91440" bIns="45720" rtlCol="0"/>
+          <a:lstStyle/>
+          <a:p>
+            <a:pPr lvl="0"/>
+            <a:r>
+              <a:rPr lang="fr-FR" smtClean="0"/>
+              <a:t>Modifiez les styles du texte du masque</a:t>
+            </a:r>
+          </a:p>
+          <a:p>
+            <a:pPr lvl="1"/>
+            <a:r>
+              <a:rPr lang="fr-FR" smtClean="0"/>
+              <a:t>Deuxième niveau</a:t>
+            </a:r>
+          </a:p>
+          <a:p>
+            <a:pPr lvl="2"/>
+            <a:r>
+              <a:rPr lang="fr-FR" smtClean="0"/>
+              <a:t>Troisième niveau</a:t>
+            </a:r>
+          </a:p>
+          <a:p>
+            <a:pPr lvl="3"/>
+            <a:r>
+              <a:rPr lang="fr-FR" smtClean="0"/>
+              <a:t>Quatrième niveau</a:t>
+            </a:r>
+          </a:p>
+          <a:p>
+            <a:pPr lvl="4"/>
+            <a:r>
+              <a:rPr lang="fr-FR" smtClean="0"/>
+              <a:t>Cinquième niveau</a:t>
+            </a:r>
+            <a:endParaRPr lang="fr-FR"/>
+          </a:p>
+        </p:txBody>
+      </p:sp>
+      <p:sp>
+        <p:nvSpPr>
+          <p:cNvPr id="6" name="Espace réservé du pied de page 5"/>
+          <p:cNvSpPr>
+            <a:spLocks noGrp="1"/>
+          </p:cNvSpPr>
+          <p:nvPr>
+            <p:ph type="ftr" sz="quarter" idx="4"/>
+          </p:nvPr>
+        </p:nvSpPr>
+        <p:spPr>
+          <a:xfrm>
+            <a:off x="0" y="8685213"/>
+            <a:ext cx="2971800" cy="457200"/>
+          </a:xfrm>
+          <a:prstGeom prst="rect">
+            <a:avLst/>
+          </a:prstGeom>
+        </p:spPr>
+        <p:txBody>
+          <a:bodyPr vert="horz" lIns="91440" tIns="45720" rIns="91440" bIns="45720" rtlCol="0" anchor="b"/>
+          <a:lstStyle>
+            <a:lvl1pPr algn="l">
+              <a:defRPr sz="1200"/>
+            </a:lvl1pPr>
+          </a:lstStyle>
+          <a:p>
+            <a:endParaRPr lang="fr-FR"/>
+          </a:p>
+        </p:txBody>
+      </p:sp>
+      <p:sp>
+        <p:nvSpPr>
+          <p:cNvPr id="7" name="Espace réservé du numéro de diapositive 6"/>
+          <p:cNvSpPr>
+            <a:spLocks noGrp="1"/>
+          </p:cNvSpPr>
+          <p:nvPr>
+            <p:ph type="sldNum" sz="quarter" idx="5"/>
+          </p:nvPr>
+        </p:nvSpPr>
+        <p:spPr>
+          <a:xfrm>
+            <a:off x="3884613" y="8685213"/>
+            <a:ext cx="2971800" cy="457200"/>
+          </a:xfrm>
+          <a:prstGeom prst="rect">
+            <a:avLst/>
+          </a:prstGeom>
+        </p:spPr>
+        <p:txBody>
+          <a:bodyPr vert="horz" lIns="91440" tIns="45720" rIns="91440" bIns="45720" rtlCol="0" anchor="b"/>
+          <a:lstStyle>
+            <a:lvl1pPr algn="r">
+              <a:defRPr sz="1200"/>
+            </a:lvl1pPr>
+          </a:lstStyle>
+          <a:p>
+            <a:fld id="{D032A23F-5570-49CD-A3E6-C4811BF41EB9}" type="slidenum">
+              <a:rPr lang="fr-FR" smtClean="0"/>
+              <a:t>‹N°›</a:t>
+            </a:fld>
+            <a:endParaRPr lang="fr-FR"/>
+          </a:p>
+        </p:txBody>
+      </p:sp>
+    </p:spTree>
+    <p:extLst>
+      <p:ext uri="{BB962C8B-B14F-4D97-AF65-F5344CB8AC3E}">
+        <p14:creationId xmlns:p14="http://schemas.microsoft.com/office/powerpoint/2010/main" val="3613439175"/>
+      </p:ext>
+    </p:extLst>
+  </p:cSld>
+  <p:clrMap bg1="lt1" tx1="dk1" bg2="lt2" tx2="dk2" accent1="accent1" accent2="accent2" accent3="accent3" accent4="accent4" accent5="accent5" accent6="accent6" hlink="hlink" folHlink="folHlink"/>
+  <p:notesStyle>
+    <a:lvl1pPr marL="0" algn="l" defTabSz="914400" rtl="0" eaLnBrk="1" latinLnBrk="0" hangingPunct="1">
+      <a:defRPr sz="1200" kern="1200">
+        <a:solidFill>
+          <a:schemeClr val="tx1"/>
+        </a:solidFill>
+        <a:latin typeface="+mn-lt"/>
+        <a:ea typeface="+mn-ea"/>
+        <a:cs typeface="+mn-cs"/>
+      </a:defRPr>
+    </a:lvl1pPr>
+    <a:lvl2pPr marL="457200" algn="l" defTabSz="914400" rtl="0" eaLnBrk="1" latinLnBrk="0" hangingPunct="1">
+      <a:defRPr sz="1200" kern="1200">
+        <a:solidFill>
+          <a:schemeClr val="tx1"/>
+        </a:solidFill>
+        <a:latin typeface="+mn-lt"/>
+        <a:ea typeface="+mn-ea"/>
+        <a:cs typeface="+mn-cs"/>
+      </a:defRPr>
+    </a:lvl2pPr>
+    <a:lvl3pPr marL="914400" algn="l" defTabSz="914400" rtl="0" eaLnBrk="1" latinLnBrk="0" hangingPunct="1">
+      <a:defRPr sz="1200" kern="1200">
+        <a:solidFill>
+          <a:schemeClr val="tx1"/>
+        </a:solidFill>
+        <a:latin typeface="+mn-lt"/>
+        <a:ea typeface="+mn-ea"/>
+        <a:cs typeface="+mn-cs"/>
+      </a:defRPr>
+    </a:lvl3pPr>
+    <a:lvl4pPr marL="1371600" algn="l" defTabSz="914400" rtl="0" eaLnBrk="1" latinLnBrk="0" hangingPunct="1">
+      <a:defRPr sz="1200" kern="1200">
+        <a:solidFill>
+          <a:schemeClr val="tx1"/>
+        </a:solidFill>
+        <a:latin typeface="+mn-lt"/>
+        <a:ea typeface="+mn-ea"/>
+        <a:cs typeface="+mn-cs"/>
+      </a:defRPr>
+    </a:lvl4pPr>
+    <a:lvl5pPr marL="1828800" algn="l" defTabSz="914400" rtl="0" eaLnBrk="1" latinLnBrk="0" hangingPunct="1">
+      <a:defRPr sz="1200" kern="1200">
+        <a:solidFill>
+          <a:schemeClr val="tx1"/>
+        </a:solidFill>
+        <a:latin typeface="+mn-lt"/>
+        <a:ea typeface="+mn-ea"/>
+        <a:cs typeface="+mn-cs"/>
+      </a:defRPr>
+    </a:lvl5pPr>
+    <a:lvl6pPr marL="2286000" algn="l" defTabSz="914400" rtl="0" eaLnBrk="1" latinLnBrk="0" hangingPunct="1">
+      <a:defRPr sz="1200" kern="1200">
+        <a:solidFill>
+          <a:schemeClr val="tx1"/>
+        </a:solidFill>
+        <a:latin typeface="+mn-lt"/>
+        <a:ea typeface="+mn-ea"/>
+        <a:cs typeface="+mn-cs"/>
+      </a:defRPr>
+    </a:lvl6pPr>
+    <a:lvl7pPr marL="2743200" algn="l" defTabSz="914400" rtl="0" eaLnBrk="1" latinLnBrk="0" hangingPunct="1">
+      <a:defRPr sz="1200" kern="1200">
+        <a:solidFill>
+          <a:schemeClr val="tx1"/>
+        </a:solidFill>
+        <a:latin typeface="+mn-lt"/>
+        <a:ea typeface="+mn-ea"/>
+        <a:cs typeface="+mn-cs"/>
+      </a:defRPr>
+    </a:lvl7pPr>
+    <a:lvl8pPr marL="3200400" algn="l" defTabSz="914400" rtl="0" eaLnBrk="1" latinLnBrk="0" hangingPunct="1">
+      <a:defRPr sz="1200" kern="1200">
+        <a:solidFill>
+          <a:schemeClr val="tx1"/>
+        </a:solidFill>
+        <a:latin typeface="+mn-lt"/>
+        <a:ea typeface="+mn-ea"/>
+        <a:cs typeface="+mn-cs"/>
+      </a:defRPr>
+    </a:lvl8pPr>
+    <a:lvl9pPr marL="3657600" algn="l" defTabSz="914400" rtl="0" eaLnBrk="1" latinLnBrk="0" hangingPunct="1">
+      <a:defRPr sz="1200" kern="1200">
+        <a:solidFill>
+          <a:schemeClr val="tx1"/>
+        </a:solidFill>
+        <a:latin typeface="+mn-lt"/>
+        <a:ea typeface="+mn-ea"/>
+        <a:cs typeface="+mn-cs"/>
+      </a:defRPr>
+    </a:lvl9pPr>
+  </p:notesStyle>
+</p:notesMaster>
+</file>
+
+<file path=ppt/notesSlides/notesSlide1.xml><?xml version="1.0" encoding="utf-8"?>
+<p:notes xmlns:a="http://schemas.openxmlformats.org/drawingml/2006/main" xmlns:r="http://schemas.openxmlformats.org/officeDocument/2006/relationships" xmlns:p="http://schemas.openxmlformats.org/presentationml/2006/main">
+  <p:cSld>
+    <p:spTree>
+      <p:nvGrpSpPr>
+        <p:cNvPr id="1" name=""/>
+        <p:cNvGrpSpPr/>
+        <p:nvPr/>
+      </p:nvGrpSpPr>
+      <p:grpSpPr>
+        <a:xfrm>
+          <a:off x="0" y="0"/>
+          <a:ext cx="0" cy="0"/>
+          <a:chOff x="0" y="0"/>
+          <a:chExt cx="0" cy="0"/>
+        </a:xfrm>
+      </p:grpSpPr>
+      <p:sp>
+        <p:nvSpPr>
+          <p:cNvPr id="2" name="Espace réservé de l'image des diapositives 1"/>
+          <p:cNvSpPr>
+            <a:spLocks noGrp="1" noRot="1" noChangeAspect="1"/>
+          </p:cNvSpPr>
+          <p:nvPr>
+            <p:ph type="sldImg"/>
+          </p:nvPr>
+        </p:nvSpPr>
+        <p:spPr/>
+      </p:sp>
+      <p:sp>
+        <p:nvSpPr>
+          <p:cNvPr id="3" name="Espace réservé des commentaires 2"/>
+          <p:cNvSpPr>
+            <a:spLocks noGrp="1"/>
+          </p:cNvSpPr>
+          <p:nvPr>
+            <p:ph type="body" idx="1"/>
+          </p:nvPr>
+        </p:nvSpPr>
+        <p:spPr/>
+        <p:txBody>
+          <a:bodyPr/>
+          <a:lstStyle/>
+          <a:p>
+            <a:r>
+              <a:rPr lang="fr-FR" dirty="0" smtClean="0"/>
+              <a:t>Benjamin</a:t>
+            </a:r>
+            <a:endParaRPr lang="fr-FR" dirty="0"/>
+          </a:p>
+        </p:txBody>
+      </p:sp>
+      <p:sp>
+        <p:nvSpPr>
+          <p:cNvPr id="4" name="Espace réservé du numéro de diapositive 3"/>
+          <p:cNvSpPr>
+            <a:spLocks noGrp="1"/>
+          </p:cNvSpPr>
+          <p:nvPr>
+            <p:ph type="sldNum" sz="quarter" idx="10"/>
+          </p:nvPr>
+        </p:nvSpPr>
+        <p:spPr/>
+        <p:txBody>
+          <a:bodyPr/>
+          <a:lstStyle/>
+          <a:p>
+            <a:fld id="{D032A23F-5570-49CD-A3E6-C4811BF41EB9}" type="slidenum">
+              <a:rPr lang="fr-FR" smtClean="0"/>
+              <a:t>1</a:t>
+            </a:fld>
+            <a:endParaRPr lang="fr-FR"/>
+          </a:p>
+        </p:txBody>
+      </p:sp>
+    </p:spTree>
+    <p:extLst>
+      <p:ext uri="{BB962C8B-B14F-4D97-AF65-F5344CB8AC3E}">
+        <p14:creationId xmlns:p14="http://schemas.microsoft.com/office/powerpoint/2010/main" val="980176434"/>
+      </p:ext>
+    </p:extLst>
+  </p:cSld>
+  <p:clrMapOvr>
+    <a:masterClrMapping/>
+  </p:clrMapOvr>
+</p:notes>
+</file>
+
+<file path=ppt/notesSlides/notesSlide2.xml><?xml version="1.0" encoding="utf-8"?>
+<p:notes xmlns:a="http://schemas.openxmlformats.org/drawingml/2006/main" xmlns:r="http://schemas.openxmlformats.org/officeDocument/2006/relationships" xmlns:p="http://schemas.openxmlformats.org/presentationml/2006/main">
+  <p:cSld>
+    <p:spTree>
+      <p:nvGrpSpPr>
+        <p:cNvPr id="1" name=""/>
+        <p:cNvGrpSpPr/>
+        <p:nvPr/>
+      </p:nvGrpSpPr>
+      <p:grpSpPr>
+        <a:xfrm>
+          <a:off x="0" y="0"/>
+          <a:ext cx="0" cy="0"/>
+          <a:chOff x="0" y="0"/>
+          <a:chExt cx="0" cy="0"/>
+        </a:xfrm>
+      </p:grpSpPr>
+      <p:sp>
+        <p:nvSpPr>
+          <p:cNvPr id="2" name="Espace réservé de l'image des diapositives 1"/>
+          <p:cNvSpPr>
+            <a:spLocks noGrp="1" noRot="1" noChangeAspect="1"/>
+          </p:cNvSpPr>
+          <p:nvPr>
+            <p:ph type="sldImg"/>
+          </p:nvPr>
+        </p:nvSpPr>
+        <p:spPr/>
+      </p:sp>
+      <p:sp>
+        <p:nvSpPr>
+          <p:cNvPr id="3" name="Espace réservé des commentaires 2"/>
+          <p:cNvSpPr>
+            <a:spLocks noGrp="1"/>
+          </p:cNvSpPr>
+          <p:nvPr>
+            <p:ph type="body" idx="1"/>
+          </p:nvPr>
+        </p:nvSpPr>
+        <p:spPr/>
+        <p:txBody>
+          <a:bodyPr/>
+          <a:lstStyle/>
+          <a:p>
+            <a:r>
+              <a:rPr lang="fr-FR" dirty="0" smtClean="0"/>
+              <a:t>Concept</a:t>
+            </a:r>
+            <a:r>
+              <a:rPr lang="fr-FR" baseline="0" dirty="0" smtClean="0"/>
+              <a:t> du jeu : Victor</a:t>
+            </a:r>
+          </a:p>
+          <a:p>
+            <a:endParaRPr lang="fr-FR" baseline="0" dirty="0" smtClean="0"/>
+          </a:p>
+          <a:p>
+            <a:r>
+              <a:rPr lang="fr-FR" baseline="0" dirty="0" smtClean="0"/>
+              <a:t>Objectif commun : Anthony</a:t>
+            </a:r>
+            <a:endParaRPr lang="fr-FR" dirty="0"/>
+          </a:p>
+        </p:txBody>
+      </p:sp>
+      <p:sp>
+        <p:nvSpPr>
+          <p:cNvPr id="4" name="Espace réservé du numéro de diapositive 3"/>
+          <p:cNvSpPr>
+            <a:spLocks noGrp="1"/>
+          </p:cNvSpPr>
+          <p:nvPr>
+            <p:ph type="sldNum" sz="quarter" idx="10"/>
+          </p:nvPr>
+        </p:nvSpPr>
+        <p:spPr/>
+        <p:txBody>
+          <a:bodyPr/>
+          <a:lstStyle/>
+          <a:p>
+            <a:fld id="{D032A23F-5570-49CD-A3E6-C4811BF41EB9}" type="slidenum">
+              <a:rPr lang="fr-FR" smtClean="0"/>
+              <a:t>2</a:t>
+            </a:fld>
+            <a:endParaRPr lang="fr-FR"/>
+          </a:p>
+        </p:txBody>
+      </p:sp>
+    </p:spTree>
+    <p:extLst>
+      <p:ext uri="{BB962C8B-B14F-4D97-AF65-F5344CB8AC3E}">
+        <p14:creationId xmlns:p14="http://schemas.microsoft.com/office/powerpoint/2010/main" val="2282082078"/>
+      </p:ext>
+    </p:extLst>
+  </p:cSld>
+  <p:clrMapOvr>
+    <a:masterClrMapping/>
+  </p:clrMapOvr>
+</p:notes>
+</file>
+
+<file path=ppt/notesSlides/notesSlide3.xml><?xml version="1.0" encoding="utf-8"?>
+<p:notes xmlns:a="http://schemas.openxmlformats.org/drawingml/2006/main" xmlns:r="http://schemas.openxmlformats.org/officeDocument/2006/relationships" xmlns:p="http://schemas.openxmlformats.org/presentationml/2006/main">
+  <p:cSld>
+    <p:spTree>
+      <p:nvGrpSpPr>
+        <p:cNvPr id="1" name=""/>
+        <p:cNvGrpSpPr/>
+        <p:nvPr/>
+      </p:nvGrpSpPr>
+      <p:grpSpPr>
+        <a:xfrm>
+          <a:off x="0" y="0"/>
+          <a:ext cx="0" cy="0"/>
+          <a:chOff x="0" y="0"/>
+          <a:chExt cx="0" cy="0"/>
+        </a:xfrm>
+      </p:grpSpPr>
+      <p:sp>
+        <p:nvSpPr>
+          <p:cNvPr id="2" name="Espace réservé de l'image des diapositives 1"/>
+          <p:cNvSpPr>
+            <a:spLocks noGrp="1" noRot="1" noChangeAspect="1"/>
+          </p:cNvSpPr>
+          <p:nvPr>
+            <p:ph type="sldImg"/>
+          </p:nvPr>
+        </p:nvSpPr>
+        <p:spPr/>
+      </p:sp>
+      <p:sp>
+        <p:nvSpPr>
+          <p:cNvPr id="3" name="Espace réservé des commentaires 2"/>
+          <p:cNvSpPr>
+            <a:spLocks noGrp="1"/>
+          </p:cNvSpPr>
+          <p:nvPr>
+            <p:ph type="body" idx="1"/>
+          </p:nvPr>
+        </p:nvSpPr>
+        <p:spPr/>
+        <p:txBody>
+          <a:bodyPr/>
+          <a:lstStyle/>
+          <a:p>
+            <a:r>
+              <a:rPr lang="fr-FR" dirty="0" smtClean="0"/>
+              <a:t>Sprint 1 (GUILLAUME)</a:t>
+            </a:r>
+            <a:r>
+              <a:rPr lang="fr-FR" baseline="0" dirty="0" smtClean="0"/>
+              <a:t> : Détailler le sprint1 + Montrer le </a:t>
+            </a:r>
+            <a:r>
+              <a:rPr lang="fr-FR" baseline="0" dirty="0" err="1" smtClean="0"/>
+              <a:t>burndown</a:t>
+            </a:r>
+            <a:r>
+              <a:rPr lang="fr-FR" baseline="0" dirty="0" smtClean="0"/>
+              <a:t> chart du sprint1</a:t>
+            </a:r>
+          </a:p>
+          <a:p>
+            <a:endParaRPr lang="fr-FR" baseline="0" dirty="0" smtClean="0"/>
+          </a:p>
+          <a:p>
+            <a:r>
+              <a:rPr lang="fr-FR" baseline="0" dirty="0" smtClean="0"/>
+              <a:t>Sprint2 (Benjamin)</a:t>
+            </a:r>
+            <a:endParaRPr lang="fr-FR" dirty="0"/>
+          </a:p>
+        </p:txBody>
+      </p:sp>
+      <p:sp>
+        <p:nvSpPr>
+          <p:cNvPr id="4" name="Espace réservé du numéro de diapositive 3"/>
+          <p:cNvSpPr>
+            <a:spLocks noGrp="1"/>
+          </p:cNvSpPr>
+          <p:nvPr>
+            <p:ph type="sldNum" sz="quarter" idx="10"/>
+          </p:nvPr>
+        </p:nvSpPr>
+        <p:spPr/>
+        <p:txBody>
+          <a:bodyPr/>
+          <a:lstStyle/>
+          <a:p>
+            <a:fld id="{D032A23F-5570-49CD-A3E6-C4811BF41EB9}" type="slidenum">
+              <a:rPr lang="fr-FR" smtClean="0"/>
+              <a:t>3</a:t>
+            </a:fld>
+            <a:endParaRPr lang="fr-FR"/>
+          </a:p>
+        </p:txBody>
+      </p:sp>
+    </p:spTree>
+    <p:extLst>
+      <p:ext uri="{BB962C8B-B14F-4D97-AF65-F5344CB8AC3E}">
+        <p14:creationId xmlns:p14="http://schemas.microsoft.com/office/powerpoint/2010/main" val="1973986857"/>
+      </p:ext>
+    </p:extLst>
+  </p:cSld>
+  <p:clrMapOvr>
+    <a:masterClrMapping/>
+  </p:clrMapOvr>
+</p:notes>
+</file>
+
+<file path=ppt/notesSlides/notesSlide4.xml><?xml version="1.0" encoding="utf-8"?>
+<p:notes xmlns:a="http://schemas.openxmlformats.org/drawingml/2006/main" xmlns:r="http://schemas.openxmlformats.org/officeDocument/2006/relationships" xmlns:p="http://schemas.openxmlformats.org/presentationml/2006/main">
+  <p:cSld>
+    <p:spTree>
+      <p:nvGrpSpPr>
+        <p:cNvPr id="1" name=""/>
+        <p:cNvGrpSpPr/>
+        <p:nvPr/>
+      </p:nvGrpSpPr>
+      <p:grpSpPr>
+        <a:xfrm>
+          <a:off x="0" y="0"/>
+          <a:ext cx="0" cy="0"/>
+          <a:chOff x="0" y="0"/>
+          <a:chExt cx="0" cy="0"/>
+        </a:xfrm>
+      </p:grpSpPr>
+      <p:sp>
+        <p:nvSpPr>
+          <p:cNvPr id="2" name="Espace réservé de l'image des diapositives 1"/>
+          <p:cNvSpPr>
+            <a:spLocks noGrp="1" noRot="1" noChangeAspect="1"/>
+          </p:cNvSpPr>
+          <p:nvPr>
+            <p:ph type="sldImg"/>
+          </p:nvPr>
+        </p:nvSpPr>
+        <p:spPr/>
+      </p:sp>
+      <p:sp>
+        <p:nvSpPr>
+          <p:cNvPr id="3" name="Espace réservé des commentaires 2"/>
+          <p:cNvSpPr>
+            <a:spLocks noGrp="1"/>
+          </p:cNvSpPr>
+          <p:nvPr>
+            <p:ph type="body" idx="1"/>
+          </p:nvPr>
+        </p:nvSpPr>
+        <p:spPr/>
+        <p:txBody>
+          <a:bodyPr/>
+          <a:lstStyle/>
+          <a:p>
+            <a:r>
+              <a:rPr lang="fr-FR" dirty="0" smtClean="0"/>
+              <a:t>Outil : Anthony</a:t>
+            </a:r>
+            <a:endParaRPr lang="fr-FR" dirty="0"/>
+          </a:p>
+        </p:txBody>
+      </p:sp>
+      <p:sp>
+        <p:nvSpPr>
+          <p:cNvPr id="4" name="Espace réservé du numéro de diapositive 3"/>
+          <p:cNvSpPr>
+            <a:spLocks noGrp="1"/>
+          </p:cNvSpPr>
+          <p:nvPr>
+            <p:ph type="sldNum" sz="quarter" idx="10"/>
+          </p:nvPr>
+        </p:nvSpPr>
+        <p:spPr/>
+        <p:txBody>
+          <a:bodyPr/>
+          <a:lstStyle/>
+          <a:p>
+            <a:fld id="{D032A23F-5570-49CD-A3E6-C4811BF41EB9}" type="slidenum">
+              <a:rPr lang="fr-FR" smtClean="0"/>
+              <a:t>4</a:t>
+            </a:fld>
+            <a:endParaRPr lang="fr-FR"/>
+          </a:p>
+        </p:txBody>
+      </p:sp>
+    </p:spTree>
+    <p:extLst>
+      <p:ext uri="{BB962C8B-B14F-4D97-AF65-F5344CB8AC3E}">
+        <p14:creationId xmlns:p14="http://schemas.microsoft.com/office/powerpoint/2010/main" val="186639179"/>
+      </p:ext>
+    </p:extLst>
+  </p:cSld>
+  <p:clrMapOvr>
+    <a:masterClrMapping/>
+  </p:clrMapOvr>
+</p:notes>
+</file>
+
+<file path=ppt/notesSlides/notesSlide5.xml><?xml version="1.0" encoding="utf-8"?>
+<p:notes xmlns:a="http://schemas.openxmlformats.org/drawingml/2006/main" xmlns:r="http://schemas.openxmlformats.org/officeDocument/2006/relationships" xmlns:p="http://schemas.openxmlformats.org/presentationml/2006/main">
+  <p:cSld>
+    <p:spTree>
+      <p:nvGrpSpPr>
+        <p:cNvPr id="1" name=""/>
+        <p:cNvGrpSpPr/>
+        <p:nvPr/>
+      </p:nvGrpSpPr>
+      <p:grpSpPr>
+        <a:xfrm>
+          <a:off x="0" y="0"/>
+          <a:ext cx="0" cy="0"/>
+          <a:chOff x="0" y="0"/>
+          <a:chExt cx="0" cy="0"/>
+        </a:xfrm>
+      </p:grpSpPr>
+      <p:sp>
+        <p:nvSpPr>
+          <p:cNvPr id="2" name="Espace réservé de l'image des diapositives 1"/>
+          <p:cNvSpPr>
+            <a:spLocks noGrp="1" noRot="1" noChangeAspect="1"/>
+          </p:cNvSpPr>
+          <p:nvPr>
+            <p:ph type="sldImg"/>
+          </p:nvPr>
+        </p:nvSpPr>
+        <p:spPr/>
+      </p:sp>
+      <p:sp>
+        <p:nvSpPr>
+          <p:cNvPr id="3" name="Espace réservé des commentaires 2"/>
+          <p:cNvSpPr>
+            <a:spLocks noGrp="1"/>
+          </p:cNvSpPr>
+          <p:nvPr>
+            <p:ph type="body" idx="1"/>
+          </p:nvPr>
+        </p:nvSpPr>
+        <p:spPr/>
+        <p:txBody>
+          <a:bodyPr/>
+          <a:lstStyle/>
+          <a:p>
+            <a:r>
+              <a:rPr lang="fr-FR" dirty="0" smtClean="0"/>
+              <a:t>Diapo : Victor</a:t>
+            </a:r>
+            <a:endParaRPr lang="fr-FR" dirty="0"/>
+          </a:p>
+        </p:txBody>
+      </p:sp>
+      <p:sp>
+        <p:nvSpPr>
+          <p:cNvPr id="4" name="Espace réservé du numéro de diapositive 3"/>
+          <p:cNvSpPr>
+            <a:spLocks noGrp="1"/>
+          </p:cNvSpPr>
+          <p:nvPr>
+            <p:ph type="sldNum" sz="quarter" idx="10"/>
+          </p:nvPr>
+        </p:nvSpPr>
+        <p:spPr/>
+        <p:txBody>
+          <a:bodyPr/>
+          <a:lstStyle/>
+          <a:p>
+            <a:fld id="{D032A23F-5570-49CD-A3E6-C4811BF41EB9}" type="slidenum">
+              <a:rPr lang="fr-FR" smtClean="0"/>
+              <a:t>5</a:t>
+            </a:fld>
+            <a:endParaRPr lang="fr-FR"/>
+          </a:p>
+        </p:txBody>
+      </p:sp>
+    </p:spTree>
+    <p:extLst>
+      <p:ext uri="{BB962C8B-B14F-4D97-AF65-F5344CB8AC3E}">
+        <p14:creationId xmlns:p14="http://schemas.microsoft.com/office/powerpoint/2010/main" val="2239263884"/>
+      </p:ext>
+    </p:extLst>
+  </p:cSld>
+  <p:clrMapOvr>
+    <a:masterClrMapping/>
+  </p:clrMapOvr>
+</p:notes>
+</file>
+
+<file path=ppt/notesSlides/notesSlide6.xml><?xml version="1.0" encoding="utf-8"?>
+<p:notes xmlns:a="http://schemas.openxmlformats.org/drawingml/2006/main" xmlns:r="http://schemas.openxmlformats.org/officeDocument/2006/relationships" xmlns:p="http://schemas.openxmlformats.org/presentationml/2006/main">
+  <p:cSld>
+    <p:spTree>
+      <p:nvGrpSpPr>
+        <p:cNvPr id="1" name=""/>
+        <p:cNvGrpSpPr/>
+        <p:nvPr/>
+      </p:nvGrpSpPr>
+      <p:grpSpPr>
+        <a:xfrm>
+          <a:off x="0" y="0"/>
+          <a:ext cx="0" cy="0"/>
+          <a:chOff x="0" y="0"/>
+          <a:chExt cx="0" cy="0"/>
+        </a:xfrm>
+      </p:grpSpPr>
+      <p:sp>
+        <p:nvSpPr>
+          <p:cNvPr id="2" name="Espace réservé de l'image des diapositives 1"/>
+          <p:cNvSpPr>
+            <a:spLocks noGrp="1" noRot="1" noChangeAspect="1"/>
+          </p:cNvSpPr>
+          <p:nvPr>
+            <p:ph type="sldImg"/>
+          </p:nvPr>
+        </p:nvSpPr>
+        <p:spPr/>
+      </p:sp>
+      <p:sp>
+        <p:nvSpPr>
+          <p:cNvPr id="3" name="Espace réservé des commentaires 2"/>
+          <p:cNvSpPr>
+            <a:spLocks noGrp="1"/>
+          </p:cNvSpPr>
+          <p:nvPr>
+            <p:ph type="body" idx="1"/>
+          </p:nvPr>
+        </p:nvSpPr>
+        <p:spPr/>
+        <p:txBody>
+          <a:bodyPr/>
+          <a:lstStyle/>
+          <a:p>
+            <a:r>
+              <a:rPr lang="fr-FR" dirty="0" smtClean="0"/>
+              <a:t>Diapo</a:t>
+            </a:r>
+            <a:r>
+              <a:rPr lang="fr-FR" baseline="0" dirty="0" smtClean="0"/>
+              <a:t> : Guillaume</a:t>
+            </a:r>
+          </a:p>
+          <a:p>
+            <a:endParaRPr lang="fr-FR" baseline="0" dirty="0" smtClean="0"/>
+          </a:p>
+          <a:p>
+            <a:r>
+              <a:rPr lang="fr-FR" baseline="0" dirty="0" smtClean="0"/>
+              <a:t>A la fin de la diapo : Démo par Benjamin</a:t>
+            </a:r>
+            <a:endParaRPr lang="fr-FR" dirty="0"/>
+          </a:p>
+        </p:txBody>
+      </p:sp>
+      <p:sp>
+        <p:nvSpPr>
+          <p:cNvPr id="4" name="Espace réservé du numéro de diapositive 3"/>
+          <p:cNvSpPr>
+            <a:spLocks noGrp="1"/>
+          </p:cNvSpPr>
+          <p:nvPr>
+            <p:ph type="sldNum" sz="quarter" idx="10"/>
+          </p:nvPr>
+        </p:nvSpPr>
+        <p:spPr/>
+        <p:txBody>
+          <a:bodyPr/>
+          <a:lstStyle/>
+          <a:p>
+            <a:fld id="{D032A23F-5570-49CD-A3E6-C4811BF41EB9}" type="slidenum">
+              <a:rPr lang="fr-FR" smtClean="0"/>
+              <a:t>6</a:t>
+            </a:fld>
+            <a:endParaRPr lang="fr-FR"/>
+          </a:p>
+        </p:txBody>
+      </p:sp>
+    </p:spTree>
+    <p:extLst>
+      <p:ext uri="{BB962C8B-B14F-4D97-AF65-F5344CB8AC3E}">
+        <p14:creationId xmlns:p14="http://schemas.microsoft.com/office/powerpoint/2010/main" val="1198685859"/>
+      </p:ext>
+    </p:extLst>
+  </p:cSld>
+  <p:clrMapOvr>
+    <a:masterClrMapping/>
+  </p:clrMapOvr>
+</p:notes>
+</file>
+
+<file path=ppt/notesSlides/notesSlide7.xml><?xml version="1.0" encoding="utf-8"?>
+<p:notes xmlns:a="http://schemas.openxmlformats.org/drawingml/2006/main" xmlns:r="http://schemas.openxmlformats.org/officeDocument/2006/relationships" xmlns:p="http://schemas.openxmlformats.org/presentationml/2006/main">
+  <p:cSld>
+    <p:spTree>
+      <p:nvGrpSpPr>
+        <p:cNvPr id="1" name=""/>
+        <p:cNvGrpSpPr/>
+        <p:nvPr/>
+      </p:nvGrpSpPr>
+      <p:grpSpPr>
+        <a:xfrm>
+          <a:off x="0" y="0"/>
+          <a:ext cx="0" cy="0"/>
+          <a:chOff x="0" y="0"/>
+          <a:chExt cx="0" cy="0"/>
+        </a:xfrm>
+      </p:grpSpPr>
+      <p:sp>
+        <p:nvSpPr>
+          <p:cNvPr id="2" name="Espace réservé de l'image des diapositives 1"/>
+          <p:cNvSpPr>
+            <a:spLocks noGrp="1" noRot="1" noChangeAspect="1"/>
+          </p:cNvSpPr>
+          <p:nvPr>
+            <p:ph type="sldImg"/>
+          </p:nvPr>
+        </p:nvSpPr>
+        <p:spPr/>
+      </p:sp>
+      <p:sp>
+        <p:nvSpPr>
+          <p:cNvPr id="3" name="Espace réservé des commentaires 2"/>
+          <p:cNvSpPr>
+            <a:spLocks noGrp="1"/>
+          </p:cNvSpPr>
+          <p:nvPr>
+            <p:ph type="body" idx="1"/>
+          </p:nvPr>
+        </p:nvSpPr>
+        <p:spPr/>
+        <p:txBody>
+          <a:bodyPr/>
+          <a:lstStyle/>
+          <a:p>
+            <a:r>
+              <a:rPr lang="fr-FR" dirty="0" smtClean="0"/>
+              <a:t>Diapo :</a:t>
+            </a:r>
+            <a:r>
+              <a:rPr lang="fr-FR" baseline="0" dirty="0" smtClean="0"/>
+              <a:t> Tout le monde</a:t>
+            </a:r>
+            <a:endParaRPr lang="fr-FR" dirty="0"/>
+          </a:p>
+        </p:txBody>
+      </p:sp>
+      <p:sp>
+        <p:nvSpPr>
+          <p:cNvPr id="4" name="Espace réservé du numéro de diapositive 3"/>
+          <p:cNvSpPr>
+            <a:spLocks noGrp="1"/>
+          </p:cNvSpPr>
+          <p:nvPr>
+            <p:ph type="sldNum" sz="quarter" idx="10"/>
+          </p:nvPr>
+        </p:nvSpPr>
+        <p:spPr/>
+        <p:txBody>
+          <a:bodyPr/>
+          <a:lstStyle/>
+          <a:p>
+            <a:fld id="{D032A23F-5570-49CD-A3E6-C4811BF41EB9}" type="slidenum">
+              <a:rPr lang="fr-FR" smtClean="0"/>
+              <a:t>7</a:t>
+            </a:fld>
+            <a:endParaRPr lang="fr-FR"/>
+          </a:p>
+        </p:txBody>
+      </p:sp>
+    </p:spTree>
+    <p:extLst>
+      <p:ext uri="{BB962C8B-B14F-4D97-AF65-F5344CB8AC3E}">
+        <p14:creationId xmlns:p14="http://schemas.microsoft.com/office/powerpoint/2010/main" val="1764784018"/>
+      </p:ext>
+    </p:extLst>
+  </p:cSld>
+  <p:clrMapOvr>
+    <a:masterClrMapping/>
+  </p:clrMapOvr>
+</p:notes>
+</file>
+
 <file path=ppt/slideLayouts/slideLayout1.xml><?xml version="1.0" encoding="utf-8"?>
 <p:sldLayout xmlns:a="http://schemas.openxmlformats.org/drawingml/2006/main" xmlns:r="http://schemas.openxmlformats.org/officeDocument/2006/relationships" xmlns:p="http://schemas.openxmlformats.org/presentationml/2006/main" showMasterSp="0" type="title" preserve="1">
   <p:cSld name="Diapositive de titre">
@@ -360,7 +1382,7 @@
           <a:p>
             <a:fld id="{4E5A63DD-88DD-418A-8099-F6452E303B53}" type="datetimeFigureOut">
               <a:rPr lang="fr-FR" smtClean="0"/>
-              <a:t>12/06/2013</a:t>
+              <a:t>13/06/2013</a:t>
             </a:fld>
             <a:endParaRPr lang="fr-FR"/>
           </a:p>
@@ -583,7 +1605,7 @@
           <a:p>
             <a:fld id="{4E5A63DD-88DD-418A-8099-F6452E303B53}" type="datetimeFigureOut">
               <a:rPr lang="fr-FR" smtClean="0"/>
-              <a:t>12/06/2013</a:t>
+              <a:t>13/06/2013</a:t>
             </a:fld>
             <a:endParaRPr lang="fr-FR"/>
           </a:p>
@@ -863,7 +1885,7 @@
           <a:p>
             <a:fld id="{4E5A63DD-88DD-418A-8099-F6452E303B53}" type="datetimeFigureOut">
               <a:rPr lang="fr-FR" smtClean="0"/>
-              <a:t>12/06/2013</a:t>
+              <a:t>13/06/2013</a:t>
             </a:fld>
             <a:endParaRPr lang="fr-FR"/>
           </a:p>
@@ -1042,7 +2064,7 @@
           <a:p>
             <a:fld id="{4E5A63DD-88DD-418A-8099-F6452E303B53}" type="datetimeFigureOut">
               <a:rPr lang="fr-FR" smtClean="0"/>
-              <a:t>12/06/2013</a:t>
+              <a:t>13/06/2013</a:t>
             </a:fld>
             <a:endParaRPr lang="fr-FR"/>
           </a:p>
@@ -1400,7 +2422,7 @@
           <a:p>
             <a:fld id="{4E5A63DD-88DD-418A-8099-F6452E303B53}" type="datetimeFigureOut">
               <a:rPr lang="fr-FR" smtClean="0"/>
-              <a:t>12/06/2013</a:t>
+              <a:t>13/06/2013</a:t>
             </a:fld>
             <a:endParaRPr lang="fr-FR"/>
           </a:p>
@@ -1687,7 +2709,7 @@
           <a:p>
             <a:fld id="{4E5A63DD-88DD-418A-8099-F6452E303B53}" type="datetimeFigureOut">
               <a:rPr lang="fr-FR" smtClean="0"/>
-              <a:t>12/06/2013</a:t>
+              <a:t>13/06/2013</a:t>
             </a:fld>
             <a:endParaRPr lang="fr-FR"/>
           </a:p>
@@ -2109,7 +3131,7 @@
           <a:p>
             <a:fld id="{4E5A63DD-88DD-418A-8099-F6452E303B53}" type="datetimeFigureOut">
               <a:rPr lang="fr-FR" smtClean="0"/>
-              <a:t>12/06/2013</a:t>
+              <a:t>13/06/2013</a:t>
             </a:fld>
             <a:endParaRPr lang="fr-FR"/>
           </a:p>
@@ -2224,7 +3246,7 @@
           <a:p>
             <a:fld id="{4E5A63DD-88DD-418A-8099-F6452E303B53}" type="datetimeFigureOut">
               <a:rPr lang="fr-FR" smtClean="0"/>
-              <a:t>12/06/2013</a:t>
+              <a:t>13/06/2013</a:t>
             </a:fld>
             <a:endParaRPr lang="fr-FR"/>
           </a:p>
@@ -2314,7 +3336,7 @@
           <a:p>
             <a:fld id="{4E5A63DD-88DD-418A-8099-F6452E303B53}" type="datetimeFigureOut">
               <a:rPr lang="fr-FR" smtClean="0"/>
-              <a:t>12/06/2013</a:t>
+              <a:t>13/06/2013</a:t>
             </a:fld>
             <a:endParaRPr lang="fr-FR"/>
           </a:p>
@@ -2592,7 +3614,7 @@
           <a:p>
             <a:fld id="{4E5A63DD-88DD-418A-8099-F6452E303B53}" type="datetimeFigureOut">
               <a:rPr lang="fr-FR" smtClean="0"/>
-              <a:t>12/06/2013</a:t>
+              <a:t>13/06/2013</a:t>
             </a:fld>
             <a:endParaRPr lang="fr-FR"/>
           </a:p>
@@ -2958,7 +3980,7 @@
           <a:p>
             <a:fld id="{4E5A63DD-88DD-418A-8099-F6452E303B53}" type="datetimeFigureOut">
               <a:rPr lang="fr-FR" smtClean="0"/>
-              <a:t>12/06/2013</a:t>
+              <a:t>13/06/2013</a:t>
             </a:fld>
             <a:endParaRPr lang="fr-FR"/>
           </a:p>
@@ -3395,7 +4417,7 @@
           <a:p>
             <a:fld id="{4E5A63DD-88DD-418A-8099-F6452E303B53}" type="datetimeFigureOut">
               <a:rPr lang="fr-FR" smtClean="0"/>
-              <a:t>12/06/2013</a:t>
+              <a:t>13/06/2013</a:t>
             </a:fld>
             <a:endParaRPr lang="fr-FR"/>
           </a:p>
@@ -3867,6 +4889,47 @@
           </a:p>
         </p:txBody>
       </p:sp>
+      <p:pic>
+        <p:nvPicPr>
+          <p:cNvPr id="1026" name="Picture 2" descr="C:\Users\Benjamin\Documents\COURS_EMN\UV_MiniProjet\581770_10151943549488065_1208251480_n.jpg"/>
+          <p:cNvPicPr>
+            <a:picLocks noChangeAspect="1" noChangeArrowheads="1"/>
+          </p:cNvPicPr>
+          <p:nvPr/>
+        </p:nvPicPr>
+        <p:blipFill>
+          <a:blip r:embed="rId3" cstate="print">
+            <a:extLst>
+              <a:ext uri="{28A0092B-C50C-407E-A947-70E740481C1C}">
+                <a14:useLocalDpi xmlns:a14="http://schemas.microsoft.com/office/drawing/2010/main" val="0"/>
+              </a:ext>
+            </a:extLst>
+          </a:blip>
+          <a:srcRect/>
+          <a:stretch>
+            <a:fillRect/>
+          </a:stretch>
+        </p:blipFill>
+        <p:spPr bwMode="auto">
+          <a:xfrm>
+            <a:off x="7261502" y="148208"/>
+            <a:ext cx="1665040" cy="1665040"/>
+          </a:xfrm>
+          <a:prstGeom prst="rect">
+            <a:avLst/>
+          </a:prstGeom>
+          <a:noFill/>
+          <a:extLst>
+            <a:ext uri="{909E8E84-426E-40DD-AFC4-6F175D3DCCD1}">
+              <a14:hiddenFill xmlns:a14="http://schemas.microsoft.com/office/drawing/2010/main">
+                <a:solidFill>
+                  <a:srgbClr val="FFFFFF"/>
+                </a:solidFill>
+              </a14:hiddenFill>
+            </a:ext>
+          </a:extLst>
+        </p:spPr>
+      </p:pic>
     </p:spTree>
     <p:extLst>
       <p:ext uri="{BB962C8B-B14F-4D97-AF65-F5344CB8AC3E}">
@@ -3996,7 +5059,7 @@
           <p:nvPr/>
         </p:nvPicPr>
         <p:blipFill>
-          <a:blip r:embed="rId2">
+          <a:blip r:embed="rId3">
             <a:extLst>
               <a:ext uri="{28A0092B-C50C-407E-A947-70E740481C1C}">
                 <a14:useLocalDpi xmlns:a14="http://schemas.microsoft.com/office/drawing/2010/main" val="0"/>
@@ -4037,7 +5100,7 @@
           <p:nvPr/>
         </p:nvPicPr>
         <p:blipFill>
-          <a:blip r:embed="rId3">
+          <a:blip r:embed="rId4">
             <a:extLst>
               <a:ext uri="{28A0092B-C50C-407E-A947-70E740481C1C}">
                 <a14:useLocalDpi xmlns:a14="http://schemas.microsoft.com/office/drawing/2010/main" val="0"/>
@@ -4134,7 +5197,9 @@
         </p:nvSpPr>
         <p:spPr/>
         <p:txBody>
-          <a:bodyPr/>
+          <a:bodyPr>
+            <a:normAutofit lnSpcReduction="10000"/>
+          </a:bodyPr>
           <a:lstStyle/>
           <a:p>
             <a:r>
@@ -4189,6 +5254,13 @@
             <a:r>
               <a:rPr lang="fr-FR" dirty="0" smtClean="0"/>
               <a:t>Macro</a:t>
+            </a:r>
+          </a:p>
+          <a:p>
+            <a:pPr lvl="1"/>
+            <a:r>
+              <a:rPr lang="fr-FR" dirty="0" smtClean="0"/>
+              <a:t>Menu</a:t>
             </a:r>
             <a:endParaRPr lang="fr-FR" dirty="0"/>
           </a:p>
@@ -4206,7 +5278,7 @@
           <p:nvPr/>
         </p:nvPicPr>
         <p:blipFill>
-          <a:blip r:embed="rId2">
+          <a:blip r:embed="rId3">
             <a:extLst>
               <a:ext uri="{28A0092B-C50C-407E-A947-70E740481C1C}">
                 <a14:useLocalDpi xmlns:a14="http://schemas.microsoft.com/office/drawing/2010/main" val="0"/>
@@ -4337,24 +5409,10 @@
               </a:rPr>
               <a:t>3</a:t>
             </a:r>
-            <a:endParaRPr lang="fr-FR" dirty="0" smtClean="0">
-              <a:latin typeface="Arial" pitchFamily="34" charset="0"/>
-              <a:cs typeface="Arial" pitchFamily="34" charset="0"/>
-            </a:endParaRPr>
           </a:p>
           <a:p>
             <a:pPr lvl="1"/>
             <a:endParaRPr lang="fr-FR" dirty="0" smtClean="0"/>
-          </a:p>
-          <a:p>
-            <a:r>
-              <a:rPr lang="fr-FR" dirty="0" smtClean="0"/>
-              <a:t>Architecture </a:t>
-            </a:r>
-            <a:r>
-              <a:rPr lang="fr-FR" dirty="0"/>
-              <a:t>appliquée</a:t>
-            </a:r>
           </a:p>
           <a:p>
             <a:endParaRPr lang="fr-FR" dirty="0" smtClean="0"/>
@@ -4377,7 +5435,7 @@
           <p:nvPr/>
         </p:nvPicPr>
         <p:blipFill>
-          <a:blip r:embed="rId2">
+          <a:blip r:embed="rId3">
             <a:extLst>
               <a:ext uri="{28A0092B-C50C-407E-A947-70E740481C1C}">
                 <a14:useLocalDpi xmlns:a14="http://schemas.microsoft.com/office/drawing/2010/main" val="0"/>
@@ -4418,7 +5476,7 @@
           <p:nvPr/>
         </p:nvPicPr>
         <p:blipFill>
-          <a:blip r:embed="rId3">
+          <a:blip r:embed="rId4">
             <a:extLst>
               <a:ext uri="{28A0092B-C50C-407E-A947-70E740481C1C}">
                 <a14:useLocalDpi xmlns:a14="http://schemas.microsoft.com/office/drawing/2010/main" val="0"/>
@@ -4432,8 +5490,8 @@
         </p:blipFill>
         <p:spPr bwMode="auto">
           <a:xfrm>
-            <a:off x="2174547" y="3991138"/>
-            <a:ext cx="4269661" cy="2668538"/>
+            <a:off x="586684" y="3205722"/>
+            <a:ext cx="5616624" cy="3510390"/>
           </a:xfrm>
           <a:prstGeom prst="rect">
             <a:avLst/>
@@ -4497,11 +5555,153 @@
           <a:p>
             <a:r>
               <a:rPr lang="fr-FR" dirty="0" smtClean="0"/>
-              <a:t>Difficultés </a:t>
+              <a:t>Implémentation</a:t>
+            </a:r>
+            <a:endParaRPr lang="fr-FR" dirty="0"/>
+          </a:p>
+        </p:txBody>
+      </p:sp>
+      <p:sp>
+        <p:nvSpPr>
+          <p:cNvPr id="3" name="Espace réservé du contenu 2"/>
+          <p:cNvSpPr>
+            <a:spLocks noGrp="1"/>
+          </p:cNvSpPr>
+          <p:nvPr>
+            <p:ph idx="1"/>
+          </p:nvPr>
+        </p:nvSpPr>
+        <p:spPr/>
+        <p:txBody>
+          <a:bodyPr/>
+          <a:lstStyle/>
+          <a:p>
+            <a:r>
+              <a:rPr lang="fr-FR" dirty="0"/>
+              <a:t>Architecture </a:t>
             </a:r>
             <a:r>
               <a:rPr lang="fr-FR" dirty="0" smtClean="0"/>
-              <a:t>rencontrées</a:t>
+              <a:t>appliquée</a:t>
+            </a:r>
+          </a:p>
+          <a:p>
+            <a:pPr lvl="1"/>
+            <a:r>
+              <a:rPr lang="fr-FR" dirty="0" smtClean="0"/>
+              <a:t>Controller, Listener</a:t>
+            </a:r>
+          </a:p>
+          <a:p>
+            <a:pPr lvl="1"/>
+            <a:r>
+              <a:rPr lang="fr-FR" dirty="0" smtClean="0"/>
+              <a:t>Singleton, Observer, </a:t>
+            </a:r>
+            <a:r>
+              <a:rPr lang="fr-FR" dirty="0" err="1" smtClean="0"/>
+              <a:t>Factory</a:t>
+            </a:r>
+            <a:endParaRPr lang="fr-FR" dirty="0" smtClean="0"/>
+          </a:p>
+          <a:p>
+            <a:pPr lvl="1"/>
+            <a:endParaRPr lang="fr-FR" dirty="0"/>
+          </a:p>
+          <a:p>
+            <a:r>
+              <a:rPr lang="fr-FR" dirty="0" smtClean="0"/>
+              <a:t>Exemple classes </a:t>
+            </a:r>
+          </a:p>
+          <a:p>
+            <a:pPr lvl="1"/>
+            <a:r>
+              <a:rPr lang="fr-FR" dirty="0" err="1" smtClean="0"/>
+              <a:t>PlayerControl</a:t>
+            </a:r>
+            <a:r>
+              <a:rPr lang="fr-FR" dirty="0" smtClean="0"/>
+              <a:t> et </a:t>
+            </a:r>
+            <a:r>
+              <a:rPr lang="fr-FR" dirty="0" err="1" smtClean="0"/>
+              <a:t>BetterPlayerControl</a:t>
+            </a:r>
+            <a:endParaRPr lang="fr-FR" dirty="0" smtClean="0"/>
+          </a:p>
+          <a:p>
+            <a:pPr lvl="1"/>
+            <a:r>
+              <a:rPr lang="fr-FR" dirty="0" smtClean="0"/>
+              <a:t>Modèle : </a:t>
+            </a:r>
+            <a:r>
+              <a:rPr lang="fr-FR" dirty="0" err="1" smtClean="0"/>
+              <a:t>PlayerSettingChoice</a:t>
+            </a:r>
+            <a:endParaRPr lang="fr-FR" dirty="0" smtClean="0"/>
+          </a:p>
+          <a:p>
+            <a:endParaRPr lang="fr-FR" dirty="0" smtClean="0"/>
+          </a:p>
+          <a:p>
+            <a:pPr lvl="1"/>
+            <a:endParaRPr lang="fr-FR" dirty="0" smtClean="0">
+              <a:latin typeface="Arial" pitchFamily="34" charset="0"/>
+              <a:cs typeface="Arial" pitchFamily="34" charset="0"/>
+            </a:endParaRPr>
+          </a:p>
+        </p:txBody>
+      </p:sp>
+    </p:spTree>
+    <p:extLst>
+      <p:ext uri="{BB962C8B-B14F-4D97-AF65-F5344CB8AC3E}">
+        <p14:creationId xmlns:p14="http://schemas.microsoft.com/office/powerpoint/2010/main" val="3947969733"/>
+      </p:ext>
+    </p:extLst>
+  </p:cSld>
+  <p:clrMapOvr>
+    <a:masterClrMapping/>
+  </p:clrMapOvr>
+</p:sld>
+</file>
+
+<file path=ppt/slides/slide6.xml><?xml version="1.0" encoding="utf-8"?>
+<p:sld xmlns:a="http://schemas.openxmlformats.org/drawingml/2006/main" xmlns:r="http://schemas.openxmlformats.org/officeDocument/2006/relationships" xmlns:p="http://schemas.openxmlformats.org/presentationml/2006/main">
+  <p:cSld>
+    <p:spTree>
+      <p:nvGrpSpPr>
+        <p:cNvPr id="1" name=""/>
+        <p:cNvGrpSpPr/>
+        <p:nvPr/>
+      </p:nvGrpSpPr>
+      <p:grpSpPr>
+        <a:xfrm>
+          <a:off x="0" y="0"/>
+          <a:ext cx="0" cy="0"/>
+          <a:chOff x="0" y="0"/>
+          <a:chExt cx="0" cy="0"/>
+        </a:xfrm>
+      </p:grpSpPr>
+      <p:sp>
+        <p:nvSpPr>
+          <p:cNvPr id="2" name="Titre 1"/>
+          <p:cNvSpPr>
+            <a:spLocks noGrp="1"/>
+          </p:cNvSpPr>
+          <p:nvPr>
+            <p:ph type="title"/>
+          </p:nvPr>
+        </p:nvSpPr>
+        <p:spPr/>
+        <p:txBody>
+          <a:bodyPr/>
+          <a:lstStyle/>
+          <a:p>
+            <a:r>
+              <a:rPr lang="fr-FR" dirty="0" smtClean="0"/>
+              <a:t>Difficultés rencontrées</a:t>
             </a:r>
             <a:endParaRPr lang="fr-FR" dirty="0"/>
           </a:p>
@@ -4552,7 +5752,7 @@
           <p:nvPr/>
         </p:nvPicPr>
         <p:blipFill>
-          <a:blip r:embed="rId2">
+          <a:blip r:embed="rId3">
             <a:extLst>
               <a:ext uri="{28A0092B-C50C-407E-A947-70E740481C1C}">
                 <a14:useLocalDpi xmlns:a14="http://schemas.microsoft.com/office/drawing/2010/main" val="0"/>
@@ -4597,7 +5797,7 @@
 </p:sld>
 </file>
 
-<file path=ppt/slides/slide6.xml><?xml version="1.0" encoding="utf-8"?>
+<file path=ppt/slides/slide7.xml><?xml version="1.0" encoding="utf-8"?>
 <p:sld xmlns:a="http://schemas.openxmlformats.org/drawingml/2006/main" xmlns:r="http://schemas.openxmlformats.org/officeDocument/2006/relationships" xmlns:p="http://schemas.openxmlformats.org/presentationml/2006/main">
   <p:cSld>
     <p:spTree>
@@ -4681,6 +5881,88 @@
               <a:rPr lang="fr-FR" dirty="0" smtClean="0"/>
               <a:t>Amélioration possible de Minicraft</a:t>
             </a:r>
+          </a:p>
+        </p:txBody>
+      </p:sp>
+    </p:spTree>
+    <p:extLst>
+      <p:ext uri="{BB962C8B-B14F-4D97-AF65-F5344CB8AC3E}">
+        <p14:creationId xmlns:p14="http://schemas.microsoft.com/office/powerpoint/2010/main" val="211916598"/>
+      </p:ext>
+    </p:extLst>
+  </p:cSld>
+  <p:clrMapOvr>
+    <a:masterClrMapping/>
+  </p:clrMapOvr>
+</p:sld>
+</file>
+
+<file path=ppt/slides/slide8.xml><?xml version="1.0" encoding="utf-8"?>
+<p:sld xmlns:a="http://schemas.openxmlformats.org/drawingml/2006/main" xmlns:r="http://schemas.openxmlformats.org/officeDocument/2006/relationships" xmlns:p="http://schemas.openxmlformats.org/presentationml/2006/main">
+  <p:cSld>
+    <p:spTree>
+      <p:nvGrpSpPr>
+        <p:cNvPr id="1" name=""/>
+        <p:cNvGrpSpPr/>
+        <p:nvPr/>
+      </p:nvGrpSpPr>
+      <p:grpSpPr>
+        <a:xfrm>
+          <a:off x="0" y="0"/>
+          <a:ext cx="0" cy="0"/>
+          <a:chOff x="0" y="0"/>
+          <a:chExt cx="0" cy="0"/>
+        </a:xfrm>
+      </p:grpSpPr>
+      <p:sp>
+        <p:nvSpPr>
+          <p:cNvPr id="2" name="Titre 1"/>
+          <p:cNvSpPr>
+            <a:spLocks noGrp="1"/>
+          </p:cNvSpPr>
+          <p:nvPr>
+            <p:ph type="title"/>
+          </p:nvPr>
+        </p:nvSpPr>
+        <p:spPr/>
+        <p:txBody>
+          <a:bodyPr/>
+          <a:lstStyle/>
+          <a:p>
+            <a:r>
+              <a:rPr lang="fr-FR" dirty="0" smtClean="0"/>
+              <a:t>Merci !</a:t>
+            </a:r>
+            <a:endParaRPr lang="fr-FR" dirty="0"/>
+          </a:p>
+        </p:txBody>
+      </p:sp>
+      <p:sp>
+        <p:nvSpPr>
+          <p:cNvPr id="3" name="Espace réservé du contenu 2"/>
+          <p:cNvSpPr>
+            <a:spLocks noGrp="1"/>
+          </p:cNvSpPr>
+          <p:nvPr>
+            <p:ph idx="1"/>
+          </p:nvPr>
+        </p:nvSpPr>
+        <p:spPr/>
+        <p:txBody>
+          <a:bodyPr/>
+          <a:lstStyle/>
+          <a:p>
+            <a:endParaRPr lang="fr-FR" dirty="0" smtClean="0"/>
+          </a:p>
+          <a:p>
+            <a:endParaRPr lang="fr-FR" dirty="0"/>
+          </a:p>
+          <a:p>
+            <a:r>
+              <a:rPr lang="fr-FR" sz="4800" dirty="0" smtClean="0"/>
+              <a:t>Avez-vous des questions ?</a:t>
+            </a:r>
+            <a:endParaRPr lang="fr-FR" sz="4800" dirty="0" smtClean="0"/>
           </a:p>
         </p:txBody>
       </p:sp>
@@ -4728,7 +6010,7 @@
     </p:spTree>
     <p:extLst>
       <p:ext uri="{BB962C8B-B14F-4D97-AF65-F5344CB8AC3E}">
-        <p14:creationId xmlns:p14="http://schemas.microsoft.com/office/powerpoint/2010/main" val="211916598"/>
+        <p14:creationId xmlns:p14="http://schemas.microsoft.com/office/powerpoint/2010/main" val="2215501283"/>
       </p:ext>
     </p:extLst>
   </p:cSld>
@@ -5021,4 +6303,289 @@
   <a:objectDefaults/>
   <a:extraClrSchemeLst/>
 </a:theme>
+</file>
+
+<file path=ppt/theme/theme2.xml><?xml version="1.0" encoding="utf-8"?>
+<a:theme xmlns:a="http://schemas.openxmlformats.org/drawingml/2006/main" name="Thème Office">
+  <a:themeElements>
+    <a:clrScheme name="Office">
+      <a:dk1>
+        <a:sysClr val="windowText" lastClr="000000"/>
+      </a:dk1>
+      <a:lt1>
+        <a:sysClr val="window" lastClr="FFFFFF"/>
+      </a:lt1>
+      <a:dk2>
+        <a:srgbClr val="1F497D"/>
+      </a:dk2>
+      <a:lt2>
+        <a:srgbClr val="EEECE1"/>
+      </a:lt2>
+      <a:accent1>
+        <a:srgbClr val="4F81BD"/>
+      </a:accent1>
+      <a:accent2>
+        <a:srgbClr val="C0504D"/>
+      </a:accent2>
+      <a:accent3>
+        <a:srgbClr val="9BBB59"/>
+      </a:accent3>
+      <a:accent4>
+        <a:srgbClr val="8064A2"/>
+      </a:accent4>
+      <a:accent5>
+        <a:srgbClr val="4BACC6"/>
+      </a:accent5>
+      <a:accent6>
+        <a:srgbClr val="F79646"/>
+      </a:accent6>
+      <a:hlink>
+        <a:srgbClr val="0000FF"/>
+      </a:hlink>
+      <a:folHlink>
+        <a:srgbClr val="800080"/>
+      </a:folHlink>
+    </a:clrScheme>
+    <a:fontScheme name="Office">
+      <a:majorFont>
+        <a:latin typeface="Calibri"/>
+        <a:ea typeface=""/>
+        <a:cs typeface=""/>
+        <a:font script="Jpan" typeface="ＭＳ Ｐゴシック"/>
+        <a:font script="Hang" typeface="맑은 고딕"/>
+        <a:font script="Hans" typeface="宋体"/>
+        <a:font script="Hant" typeface="新細明體"/>
+        <a:font script="Arab" typeface="Times New Roman"/>
+        <a:font script="Hebr" typeface="Times New Roman"/>
+        <a:font script="Thai" typeface="Angsana New"/>
+        <a:font script="Ethi" typeface="Nyala"/>
+        <a:font script="Beng" typeface="Vrinda"/>
+        <a:font script="Gujr" typeface="Shruti"/>
+        <a:font script="Khmr" typeface="MoolBoran"/>
+        <a:font script="Knda" typeface="Tunga"/>
+        <a:font script="Guru" typeface="Raavi"/>
+        <a:font script="Cans" typeface="Euphemia"/>
+        <a:font script="Cher" typeface="Plantagenet Cherokee"/>
+        <a:font script="Yiii" typeface="Microsoft Yi Baiti"/>
+        <a:font script="Tibt" typeface="Microsoft Himalaya"/>
+        <a:font script="Thaa" typeface="MV Boli"/>
+        <a:font script="Deva" typeface="Mangal"/>
+        <a:font script="Telu" typeface="Gautami"/>
+        <a:font script="Taml" typeface="Latha"/>
+        <a:font script="Syrc" typeface="Estrangelo Edessa"/>
+        <a:font script="Orya" typeface="Kalinga"/>
+        <a:font script="Mlym" typeface="Kartika"/>
+        <a:font script="Laoo" typeface="DokChampa"/>
+        <a:font script="Sinh" typeface="Iskoola Pota"/>
+        <a:font script="Mong" typeface="Mongolian Baiti"/>
+        <a:font script="Viet" typeface="Times New Roman"/>
+        <a:font script="Uigh" typeface="Microsoft Uighur"/>
+        <a:font script="Geor" typeface="Sylfaen"/>
+      </a:majorFont>
+      <a:minorFont>
+        <a:latin typeface="Calibri"/>
+        <a:ea typeface=""/>
+        <a:cs typeface=""/>
+        <a:font script="Jpan" typeface="ＭＳ Ｐゴシック"/>
+        <a:font script="Hang" typeface="맑은 고딕"/>
+        <a:font script="Hans" typeface="宋体"/>
+        <a:font script="Hant" typeface="新細明體"/>
+        <a:font script="Arab" typeface="Arial"/>
+        <a:font script="Hebr" typeface="Arial"/>
+        <a:font script="Thai" typeface="Cordia New"/>
+        <a:font script="Ethi" typeface="Nyala"/>
+        <a:font script="Beng" typeface="Vrinda"/>
+        <a:font script="Gujr" typeface="Shruti"/>
+        <a:font script="Khmr" typeface="DaunPenh"/>
+        <a:font script="Knda" typeface="Tunga"/>
+        <a:font script="Guru" typeface="Raavi"/>
+        <a:font script="Cans" typeface="Euphemia"/>
+        <a:font script="Cher" typeface="Plantagenet Cherokee"/>
+        <a:font script="Yiii" typeface="Microsoft Yi Baiti"/>
+        <a:font script="Tibt" typeface="Microsoft Himalaya"/>
+        <a:font script="Thaa" typeface="MV Boli"/>
+        <a:font script="Deva" typeface="Mangal"/>
+        <a:font script="Telu" typeface="Gautami"/>
+        <a:font script="Taml" typeface="Latha"/>
+        <a:font script="Syrc" typeface="Estrangelo Edessa"/>
+        <a:font script="Orya" typeface="Kalinga"/>
+        <a:font script="Mlym" typeface="Kartika"/>
+        <a:font script="Laoo" typeface="DokChampa"/>
+        <a:font script="Sinh" typeface="Iskoola Pota"/>
+        <a:font script="Mong" typeface="Mongolian Baiti"/>
+        <a:font script="Viet" typeface="Arial"/>
+        <a:font script="Uigh" typeface="Microsoft Uighur"/>
+        <a:font script="Geor" typeface="Sylfaen"/>
+      </a:minorFont>
+    </a:fontScheme>
+    <a:fmtScheme name="Office">
+      <a:fillStyleLst>
+        <a:solidFill>
+          <a:schemeClr val="phClr"/>
+        </a:solidFill>
+        <a:gradFill rotWithShape="1">
+          <a:gsLst>
+            <a:gs pos="0">
+              <a:schemeClr val="phClr">
+                <a:tint val="50000"/>
+                <a:satMod val="300000"/>
+              </a:schemeClr>
+            </a:gs>
+            <a:gs pos="35000">
+              <a:schemeClr val="phClr">
+                <a:tint val="37000"/>
+                <a:satMod val="300000"/>
+              </a:schemeClr>
+            </a:gs>
+            <a:gs pos="100000">
+              <a:schemeClr val="phClr">
+                <a:tint val="15000"/>
+                <a:satMod val="350000"/>
+              </a:schemeClr>
+            </a:gs>
+          </a:gsLst>
+          <a:lin ang="16200000" scaled="1"/>
+        </a:gradFill>
+        <a:gradFill rotWithShape="1">
+          <a:gsLst>
+            <a:gs pos="0">
+              <a:schemeClr val="phClr">
+                <a:shade val="51000"/>
+                <a:satMod val="130000"/>
+              </a:schemeClr>
+            </a:gs>
+            <a:gs pos="80000">
+              <a:schemeClr val="phClr">
+                <a:shade val="93000"/>
+                <a:satMod val="130000"/>
+              </a:schemeClr>
+            </a:gs>
+            <a:gs pos="100000">
+              <a:schemeClr val="phClr">
+                <a:shade val="94000"/>
+                <a:satMod val="135000"/>
+              </a:schemeClr>
+            </a:gs>
+          </a:gsLst>
+          <a:lin ang="16200000" scaled="0"/>
+        </a:gradFill>
+      </a:fillStyleLst>
+      <a:lnStyleLst>
+        <a:ln w="9525" cap="flat" cmpd="sng" algn="ctr">
+          <a:solidFill>
+            <a:schemeClr val="phClr">
+              <a:shade val="95000"/>
+              <a:satMod val="105000"/>
+            </a:schemeClr>
+          </a:solidFill>
+          <a:prstDash val="solid"/>
+        </a:ln>
+        <a:ln w="25400" cap="flat" cmpd="sng" algn="ctr">
+          <a:solidFill>
+            <a:schemeClr val="phClr"/>
+          </a:solidFill>
+          <a:prstDash val="solid"/>
+        </a:ln>
+        <a:ln w="38100" cap="flat" cmpd="sng" algn="ctr">
+          <a:solidFill>
+            <a:schemeClr val="phClr"/>
+          </a:solidFill>
+          <a:prstDash val="solid"/>
+        </a:ln>
+      </a:lnStyleLst>
+      <a:effectStyleLst>
+        <a:effectStyle>
+          <a:effectLst>
+            <a:outerShdw blurRad="40000" dist="20000" dir="5400000" rotWithShape="0">
+              <a:srgbClr val="000000">
+                <a:alpha val="38000"/>
+              </a:srgbClr>
+            </a:outerShdw>
+          </a:effectLst>
+        </a:effectStyle>
+        <a:effectStyle>
+          <a:effectLst>
+            <a:outerShdw blurRad="40000" dist="23000" dir="5400000" rotWithShape="0">
+              <a:srgbClr val="000000">
+                <a:alpha val="35000"/>
+              </a:srgbClr>
+            </a:outerShdw>
+          </a:effectLst>
+        </a:effectStyle>
+        <a:effectStyle>
+          <a:effectLst>
+            <a:outerShdw blurRad="40000" dist="23000" dir="5400000" rotWithShape="0">
+              <a:srgbClr val="000000">
+                <a:alpha val="35000"/>
+              </a:srgbClr>
+            </a:outerShdw>
+          </a:effectLst>
+          <a:scene3d>
+            <a:camera prst="orthographicFront">
+              <a:rot lat="0" lon="0" rev="0"/>
+            </a:camera>
+            <a:lightRig rig="threePt" dir="t">
+              <a:rot lat="0" lon="0" rev="1200000"/>
+            </a:lightRig>
+          </a:scene3d>
+          <a:sp3d>
+            <a:bevelT w="63500" h="25400"/>
+          </a:sp3d>
+        </a:effectStyle>
+      </a:effectStyleLst>
+      <a:bgFillStyleLst>
+        <a:solidFill>
+          <a:schemeClr val="phClr"/>
+        </a:solidFill>
+        <a:gradFill rotWithShape="1">
+          <a:gsLst>
+            <a:gs pos="0">
+              <a:schemeClr val="phClr">
+                <a:tint val="40000"/>
+                <a:satMod val="350000"/>
+              </a:schemeClr>
+            </a:gs>
+            <a:gs pos="40000">
+              <a:schemeClr val="phClr">
+                <a:tint val="45000"/>
+                <a:shade val="99000"/>
+                <a:satMod val="350000"/>
+              </a:schemeClr>
+            </a:gs>
+            <a:gs pos="100000">
+              <a:schemeClr val="phClr">
+                <a:shade val="20000"/>
+                <a:satMod val="255000"/>
+              </a:schemeClr>
+            </a:gs>
+          </a:gsLst>
+          <a:path path="circle">
+            <a:fillToRect l="50000" t="-80000" r="50000" b="180000"/>
+          </a:path>
+        </a:gradFill>
+        <a:gradFill rotWithShape="1">
+          <a:gsLst>
+            <a:gs pos="0">
+              <a:schemeClr val="phClr">
+                <a:tint val="80000"/>
+                <a:satMod val="300000"/>
+              </a:schemeClr>
+            </a:gs>
+            <a:gs pos="100000">
+              <a:schemeClr val="phClr">
+                <a:shade val="30000"/>
+                <a:satMod val="200000"/>
+              </a:schemeClr>
+            </a:gs>
+          </a:gsLst>
+          <a:path path="circle">
+            <a:fillToRect l="50000" t="50000" r="50000" b="50000"/>
+          </a:path>
+        </a:gradFill>
+      </a:bgFillStyleLst>
+    </a:fmtScheme>
+  </a:themeElements>
+  <a:objectDefaults/>
+  <a:extraClrSchemeLst/>
+</a:theme>
 </file>
--- a/doc/Presentation_Minicraft.pptx
+++ b/doc/Presentation_Minicraft.pptx
@@ -5,17 +5,18 @@
     <p:sldMasterId id="2147483684" r:id="rId1"/>
   </p:sldMasterIdLst>
   <p:notesMasterIdLst>
-    <p:notesMasterId r:id="rId10"/>
+    <p:notesMasterId r:id="rId11"/>
   </p:notesMasterIdLst>
   <p:sldIdLst>
     <p:sldId id="256" r:id="rId2"/>
-    <p:sldId id="257" r:id="rId3"/>
-    <p:sldId id="262" r:id="rId4"/>
-    <p:sldId id="258" r:id="rId5"/>
-    <p:sldId id="263" r:id="rId6"/>
-    <p:sldId id="259" r:id="rId7"/>
-    <p:sldId id="261" r:id="rId8"/>
-    <p:sldId id="264" r:id="rId9"/>
+    <p:sldId id="265" r:id="rId3"/>
+    <p:sldId id="257" r:id="rId4"/>
+    <p:sldId id="262" r:id="rId5"/>
+    <p:sldId id="258" r:id="rId6"/>
+    <p:sldId id="263" r:id="rId7"/>
+    <p:sldId id="259" r:id="rId8"/>
+    <p:sldId id="261" r:id="rId9"/>
+    <p:sldId id="264" r:id="rId10"/>
   </p:sldIdLst>
   <p:sldSz cx="9144000" cy="6858000" type="screen4x3"/>
   <p:notesSz cx="6858000" cy="9144000"/>
@@ -513,7 +514,27 @@
           <a:p>
             <a:r>
               <a:rPr lang="fr-FR" dirty="0" smtClean="0"/>
-              <a:t>Benjamin</a:t>
+              <a:t>Benjamin : Nous</a:t>
+            </a:r>
+            <a:r>
+              <a:rPr lang="fr-FR" baseline="0" dirty="0" smtClean="0"/>
+              <a:t> allons vous présenter le projet réalisé durant ces 5 dernières semaines. Il s’appelle donc </a:t>
+            </a:r>
+            <a:r>
+              <a:rPr lang="fr-FR" baseline="0" dirty="0" err="1" smtClean="0"/>
+              <a:t>Minicraft</a:t>
+            </a:r>
+            <a:r>
+              <a:rPr lang="fr-FR" baseline="0" dirty="0" smtClean="0"/>
+              <a:t>, en référence au jeu </a:t>
+            </a:r>
+            <a:r>
+              <a:rPr lang="fr-FR" baseline="0" dirty="0" err="1" smtClean="0"/>
+              <a:t>Minecraft</a:t>
+            </a:r>
+            <a:r>
+              <a:rPr lang="fr-FR" baseline="0" dirty="0" smtClean="0"/>
+              <a:t> très connu. </a:t>
             </a:r>
             <a:endParaRPr lang="fr-FR" dirty="0"/>
           </a:p>
@@ -599,24 +620,28 @@
           <a:bodyPr/>
           <a:lstStyle/>
           <a:p>
-            <a:r>
-              <a:rPr lang="fr-FR" dirty="0" smtClean="0"/>
-              <a:t>Concept</a:t>
-            </a:r>
+            <a:pPr marL="0" marR="0" indent="0" algn="l" defTabSz="914400" rtl="0" eaLnBrk="1" fontAlgn="auto" latinLnBrk="0" hangingPunct="1">
+              <a:lnSpc>
+                <a:spcPct val="100000"/>
+              </a:lnSpc>
+              <a:spcBef>
+                <a:spcPts val="0"/>
+              </a:spcBef>
+              <a:spcAft>
+                <a:spcPts val="0"/>
+              </a:spcAft>
+              <a:buClrTx/>
+              <a:buSzTx/>
+              <a:buFontTx/>
+              <a:buNone/>
+              <a:tabLst/>
+              <a:defRPr/>
+            </a:pPr>
             <a:r>
               <a:rPr lang="fr-FR" baseline="0" dirty="0" smtClean="0"/>
-              <a:t> du jeu : Victor</a:t>
-            </a:r>
-          </a:p>
-          <a:p>
-            <a:endParaRPr lang="fr-FR" baseline="0" dirty="0" smtClean="0"/>
-          </a:p>
-          <a:p>
-            <a:r>
-              <a:rPr lang="fr-FR" baseline="0" dirty="0" smtClean="0"/>
-              <a:t>Objectif commun : Anthony</a:t>
-            </a:r>
-            <a:endParaRPr lang="fr-FR" dirty="0"/>
+              <a:t>Benjamin : Nous allons tout d’abord énoncé les objectifs du projet, ensuite nous parlerons des outils utilisées et de l’implémentation du jeu, ensuite nous allons évoqué les difficultés rencontrées. Enfin nous terminerons par une démo et notre bilan personnel.</a:t>
+            </a:r>
+            <a:endParaRPr lang="fr-FR" dirty="0" smtClean="0"/>
           </a:p>
         </p:txBody>
       </p:sp>
@@ -646,7 +671,7 @@
     </p:spTree>
     <p:extLst>
       <p:ext uri="{BB962C8B-B14F-4D97-AF65-F5344CB8AC3E}">
-        <p14:creationId xmlns:p14="http://schemas.microsoft.com/office/powerpoint/2010/main" val="2282082078"/>
+        <p14:creationId xmlns:p14="http://schemas.microsoft.com/office/powerpoint/2010/main" val="3560907647"/>
       </p:ext>
     </p:extLst>
   </p:cSld>
@@ -702,28 +727,20 @@
           <a:p>
             <a:r>
               <a:rPr lang="fr-FR" dirty="0" smtClean="0"/>
-              <a:t>Sprint 1 (GUILLAUME)</a:t>
+              <a:t>Concept</a:t>
             </a:r>
             <a:r>
               <a:rPr lang="fr-FR" baseline="0" dirty="0" smtClean="0"/>
-              <a:t> : Détailler le sprint1 + Montrer le </a:t>
-            </a:r>
-            <a:r>
-              <a:rPr lang="fr-FR" baseline="0" dirty="0" err="1" smtClean="0"/>
-              <a:t>burndown</a:t>
-            </a:r>
+              <a:t> du jeu : Victor</a:t>
+            </a:r>
+          </a:p>
+          <a:p>
+            <a:endParaRPr lang="fr-FR" baseline="0" dirty="0" smtClean="0"/>
+          </a:p>
+          <a:p>
             <a:r>
               <a:rPr lang="fr-FR" baseline="0" dirty="0" smtClean="0"/>
-              <a:t> chart du sprint1</a:t>
-            </a:r>
-          </a:p>
-          <a:p>
-            <a:endParaRPr lang="fr-FR" baseline="0" dirty="0" smtClean="0"/>
-          </a:p>
-          <a:p>
-            <a:r>
-              <a:rPr lang="fr-FR" baseline="0" dirty="0" smtClean="0"/>
-              <a:t>Sprint2 (Benjamin)</a:t>
+              <a:t>Objectif commun : Anthony</a:t>
             </a:r>
             <a:endParaRPr lang="fr-FR" dirty="0"/>
           </a:p>
@@ -755,7 +772,7 @@
     </p:spTree>
     <p:extLst>
       <p:ext uri="{BB962C8B-B14F-4D97-AF65-F5344CB8AC3E}">
-        <p14:creationId xmlns:p14="http://schemas.microsoft.com/office/powerpoint/2010/main" val="1973986857"/>
+        <p14:creationId xmlns:p14="http://schemas.microsoft.com/office/powerpoint/2010/main" val="2282082078"/>
       </p:ext>
     </p:extLst>
   </p:cSld>
@@ -811,7 +828,48 @@
           <a:p>
             <a:r>
               <a:rPr lang="fr-FR" dirty="0" smtClean="0"/>
-              <a:t>Outil : Anthony</a:t>
+              <a:t>Sprint 1 (GUILLAUME)</a:t>
+            </a:r>
+            <a:r>
+              <a:rPr lang="fr-FR" baseline="0" dirty="0" smtClean="0"/>
+              <a:t> : Détailler le sprint1 + Montrer le </a:t>
+            </a:r>
+            <a:r>
+              <a:rPr lang="fr-FR" baseline="0" dirty="0" err="1" smtClean="0"/>
+              <a:t>burndown</a:t>
+            </a:r>
+            <a:r>
+              <a:rPr lang="fr-FR" baseline="0" dirty="0" smtClean="0"/>
+              <a:t> chart du sprint1</a:t>
+            </a:r>
+          </a:p>
+          <a:p>
+            <a:endParaRPr lang="fr-FR" baseline="0" dirty="0" smtClean="0"/>
+          </a:p>
+          <a:p>
+            <a:r>
+              <a:rPr lang="fr-FR" baseline="0" dirty="0" smtClean="0"/>
+              <a:t>Sprint2 (Benjamin</a:t>
+            </a:r>
+            <a:r>
+              <a:rPr lang="fr-FR" baseline="0" dirty="0" smtClean="0"/>
+              <a:t>) : Tâches à effectuer + </a:t>
+            </a:r>
+            <a:r>
+              <a:rPr lang="fr-FR" baseline="0" dirty="0" err="1" smtClean="0"/>
+              <a:t>burdown</a:t>
+            </a:r>
+            <a:r>
+              <a:rPr lang="fr-FR" baseline="0" dirty="0" smtClean="0"/>
+              <a:t> </a:t>
+            </a:r>
+            <a:r>
+              <a:rPr lang="fr-FR" baseline="0" dirty="0" err="1" smtClean="0"/>
+              <a:t>chart</a:t>
+            </a:r>
+            <a:r>
+              <a:rPr lang="fr-FR" baseline="0" dirty="0" smtClean="0"/>
+              <a:t> du sprint2</a:t>
             </a:r>
             <a:endParaRPr lang="fr-FR" dirty="0"/>
           </a:p>
@@ -843,7 +901,7 @@
     </p:spTree>
     <p:extLst>
       <p:ext uri="{BB962C8B-B14F-4D97-AF65-F5344CB8AC3E}">
-        <p14:creationId xmlns:p14="http://schemas.microsoft.com/office/powerpoint/2010/main" val="186639179"/>
+        <p14:creationId xmlns:p14="http://schemas.microsoft.com/office/powerpoint/2010/main" val="1973986857"/>
       </p:ext>
     </p:extLst>
   </p:cSld>
@@ -899,7 +957,7 @@
           <a:p>
             <a:r>
               <a:rPr lang="fr-FR" dirty="0" smtClean="0"/>
-              <a:t>Diapo : Victor</a:t>
+              <a:t>Outil : Anthony</a:t>
             </a:r>
             <a:endParaRPr lang="fr-FR" dirty="0"/>
           </a:p>
@@ -931,7 +989,7 @@
     </p:spTree>
     <p:extLst>
       <p:ext uri="{BB962C8B-B14F-4D97-AF65-F5344CB8AC3E}">
-        <p14:creationId xmlns:p14="http://schemas.microsoft.com/office/powerpoint/2010/main" val="2239263884"/>
+        <p14:creationId xmlns:p14="http://schemas.microsoft.com/office/powerpoint/2010/main" val="186639179"/>
       </p:ext>
     </p:extLst>
   </p:cSld>
@@ -987,20 +1045,7 @@
           <a:p>
             <a:r>
               <a:rPr lang="fr-FR" dirty="0" smtClean="0"/>
-              <a:t>Diapo</a:t>
-            </a:r>
-            <a:r>
-              <a:rPr lang="fr-FR" baseline="0" dirty="0" smtClean="0"/>
-              <a:t> : Guillaume</a:t>
-            </a:r>
-          </a:p>
-          <a:p>
-            <a:endParaRPr lang="fr-FR" baseline="0" dirty="0" smtClean="0"/>
-          </a:p>
-          <a:p>
-            <a:r>
-              <a:rPr lang="fr-FR" baseline="0" dirty="0" smtClean="0"/>
-              <a:t>A la fin de la diapo : Démo par Benjamin</a:t>
+              <a:t>Diapo : Victor</a:t>
             </a:r>
             <a:endParaRPr lang="fr-FR" dirty="0"/>
           </a:p>
@@ -1032,7 +1077,7 @@
     </p:spTree>
     <p:extLst>
       <p:ext uri="{BB962C8B-B14F-4D97-AF65-F5344CB8AC3E}">
-        <p14:creationId xmlns:p14="http://schemas.microsoft.com/office/powerpoint/2010/main" val="1198685859"/>
+        <p14:creationId xmlns:p14="http://schemas.microsoft.com/office/powerpoint/2010/main" val="2239263884"/>
       </p:ext>
     </p:extLst>
   </p:cSld>
@@ -1088,11 +1133,192 @@
           <a:p>
             <a:r>
               <a:rPr lang="fr-FR" dirty="0" smtClean="0"/>
+              <a:t>Diapo</a:t>
+            </a:r>
+            <a:r>
+              <a:rPr lang="fr-FR" baseline="0" dirty="0" smtClean="0"/>
+              <a:t> : Guillaume</a:t>
+            </a:r>
+          </a:p>
+          <a:p>
+            <a:endParaRPr lang="fr-FR" baseline="0" dirty="0" smtClean="0"/>
+          </a:p>
+          <a:p>
+            <a:r>
+              <a:rPr lang="fr-FR" baseline="0" dirty="0" smtClean="0"/>
+              <a:t>A la fin de la diapo : Démo par Benjamin</a:t>
+            </a:r>
+            <a:endParaRPr lang="fr-FR" dirty="0"/>
+          </a:p>
+        </p:txBody>
+      </p:sp>
+      <p:sp>
+        <p:nvSpPr>
+          <p:cNvPr id="4" name="Espace réservé du numéro de diapositive 3"/>
+          <p:cNvSpPr>
+            <a:spLocks noGrp="1"/>
+          </p:cNvSpPr>
+          <p:nvPr>
+            <p:ph type="sldNum" sz="quarter" idx="10"/>
+          </p:nvPr>
+        </p:nvSpPr>
+        <p:spPr/>
+        <p:txBody>
+          <a:bodyPr/>
+          <a:lstStyle/>
+          <a:p>
+            <a:fld id="{D032A23F-5570-49CD-A3E6-C4811BF41EB9}" type="slidenum">
+              <a:rPr lang="fr-FR" smtClean="0"/>
+              <a:t>7</a:t>
+            </a:fld>
+            <a:endParaRPr lang="fr-FR"/>
+          </a:p>
+        </p:txBody>
+      </p:sp>
+    </p:spTree>
+    <p:extLst>
+      <p:ext uri="{BB962C8B-B14F-4D97-AF65-F5344CB8AC3E}">
+        <p14:creationId xmlns:p14="http://schemas.microsoft.com/office/powerpoint/2010/main" val="1198685859"/>
+      </p:ext>
+    </p:extLst>
+  </p:cSld>
+  <p:clrMapOvr>
+    <a:masterClrMapping/>
+  </p:clrMapOvr>
+</p:notes>
+</file>
+
+<file path=ppt/notesSlides/notesSlide8.xml><?xml version="1.0" encoding="utf-8"?>
+<p:notes xmlns:a="http://schemas.openxmlformats.org/drawingml/2006/main" xmlns:r="http://schemas.openxmlformats.org/officeDocument/2006/relationships" xmlns:p="http://schemas.openxmlformats.org/presentationml/2006/main">
+  <p:cSld>
+    <p:spTree>
+      <p:nvGrpSpPr>
+        <p:cNvPr id="1" name=""/>
+        <p:cNvGrpSpPr/>
+        <p:nvPr/>
+      </p:nvGrpSpPr>
+      <p:grpSpPr>
+        <a:xfrm>
+          <a:off x="0" y="0"/>
+          <a:ext cx="0" cy="0"/>
+          <a:chOff x="0" y="0"/>
+          <a:chExt cx="0" cy="0"/>
+        </a:xfrm>
+      </p:grpSpPr>
+      <p:sp>
+        <p:nvSpPr>
+          <p:cNvPr id="2" name="Espace réservé de l'image des diapositives 1"/>
+          <p:cNvSpPr>
+            <a:spLocks noGrp="1" noRot="1" noChangeAspect="1"/>
+          </p:cNvSpPr>
+          <p:nvPr>
+            <p:ph type="sldImg"/>
+          </p:nvPr>
+        </p:nvSpPr>
+        <p:spPr/>
+      </p:sp>
+      <p:sp>
+        <p:nvSpPr>
+          <p:cNvPr id="3" name="Espace réservé des commentaires 2"/>
+          <p:cNvSpPr>
+            <a:spLocks noGrp="1"/>
+          </p:cNvSpPr>
+          <p:nvPr>
+            <p:ph type="body" idx="1"/>
+          </p:nvPr>
+        </p:nvSpPr>
+        <p:spPr/>
+        <p:txBody>
+          <a:bodyPr/>
+          <a:lstStyle/>
+          <a:p>
+            <a:r>
+              <a:rPr lang="fr-FR" dirty="0" smtClean="0"/>
               <a:t>Diapo :</a:t>
             </a:r>
             <a:r>
               <a:rPr lang="fr-FR" baseline="0" dirty="0" smtClean="0"/>
-              <a:t> Tout le monde</a:t>
+              <a:t> Tout le </a:t>
+            </a:r>
+            <a:r>
+              <a:rPr lang="fr-FR" baseline="0" dirty="0" smtClean="0"/>
+              <a:t>monde</a:t>
+            </a:r>
+          </a:p>
+          <a:p>
+            <a:endParaRPr lang="fr-FR" baseline="0" dirty="0" smtClean="0"/>
+          </a:p>
+          <a:p>
+            <a:r>
+              <a:rPr lang="fr-FR" baseline="0" dirty="0" smtClean="0"/>
+              <a:t>Amélioration possible de </a:t>
+            </a:r>
+            <a:r>
+              <a:rPr lang="fr-FR" baseline="0" dirty="0" err="1" smtClean="0"/>
+              <a:t>Minicraft</a:t>
+            </a:r>
+            <a:r>
+              <a:rPr lang="fr-FR" baseline="0" dirty="0" smtClean="0"/>
+              <a:t> : </a:t>
+            </a:r>
+          </a:p>
+          <a:p>
+            <a:pPr marL="171450" indent="-171450">
+              <a:buFontTx/>
+              <a:buChar char="-"/>
+            </a:pPr>
+            <a:r>
+              <a:rPr lang="fr-FR" baseline="0" dirty="0" smtClean="0"/>
+              <a:t>Copier coller des structures</a:t>
+            </a:r>
+          </a:p>
+          <a:p>
+            <a:pPr marL="171450" indent="-171450">
+              <a:buFontTx/>
+              <a:buChar char="-"/>
+            </a:pPr>
+            <a:r>
+              <a:rPr lang="fr-FR" baseline="0" dirty="0" smtClean="0"/>
+              <a:t>Carte aléatoire</a:t>
+            </a:r>
+          </a:p>
+          <a:p>
+            <a:pPr marL="171450" indent="-171450">
+              <a:buFontTx/>
+              <a:buChar char="-"/>
+            </a:pPr>
+            <a:r>
+              <a:rPr lang="fr-FR" baseline="0" dirty="0" smtClean="0"/>
+              <a:t>Plus de forme possible</a:t>
+            </a:r>
+          </a:p>
+          <a:p>
+            <a:pPr marL="171450" indent="-171450">
+              <a:buFontTx/>
+              <a:buChar char="-"/>
+            </a:pPr>
+            <a:r>
+              <a:rPr lang="fr-FR" baseline="0" dirty="0" smtClean="0"/>
+              <a:t>Exporter les constructions à un format importable dans </a:t>
+            </a:r>
+            <a:r>
+              <a:rPr lang="fr-FR" baseline="0" dirty="0" err="1" smtClean="0"/>
+              <a:t>Minecraft</a:t>
+            </a:r>
+            <a:endParaRPr lang="fr-FR" baseline="0" dirty="0" smtClean="0"/>
+          </a:p>
+          <a:p>
+            <a:pPr marL="171450" indent="-171450">
+              <a:buFontTx/>
+              <a:buChar char="-"/>
+            </a:pPr>
+            <a:r>
+              <a:rPr lang="fr-FR" baseline="0" dirty="0" smtClean="0"/>
+              <a:t>Améliorer graphisme (Joueur + complet, prévisualisation des </a:t>
+            </a:r>
+            <a:r>
+              <a:rPr lang="fr-FR" baseline="0" smtClean="0"/>
+              <a:t>structures etc..)</a:t>
             </a:r>
             <a:endParaRPr lang="fr-FR" dirty="0"/>
           </a:p>
@@ -1115,7 +1341,7 @@
           <a:p>
             <a:fld id="{D032A23F-5570-49CD-A3E6-C4811BF41EB9}" type="slidenum">
               <a:rPr lang="fr-FR" smtClean="0"/>
-              <a:t>7</a:t>
+              <a:t>8</a:t>
             </a:fld>
             <a:endParaRPr lang="fr-FR"/>
           </a:p>
@@ -4977,6 +5203,168 @@
           <a:p>
             <a:r>
               <a:rPr lang="fr-FR" dirty="0" smtClean="0"/>
+              <a:t>Sommaire</a:t>
+            </a:r>
+            <a:endParaRPr lang="fr-FR" dirty="0"/>
+          </a:p>
+        </p:txBody>
+      </p:sp>
+      <p:sp>
+        <p:nvSpPr>
+          <p:cNvPr id="3" name="Espace réservé du contenu 2"/>
+          <p:cNvSpPr>
+            <a:spLocks noGrp="1"/>
+          </p:cNvSpPr>
+          <p:nvPr>
+            <p:ph idx="1"/>
+          </p:nvPr>
+        </p:nvSpPr>
+        <p:spPr/>
+        <p:txBody>
+          <a:bodyPr/>
+          <a:lstStyle/>
+          <a:p>
+            <a:r>
+              <a:rPr lang="fr-FR" dirty="0" smtClean="0"/>
+              <a:t>Objectifs</a:t>
+            </a:r>
+          </a:p>
+          <a:p>
+            <a:r>
+              <a:rPr lang="fr-FR" dirty="0" smtClean="0"/>
+              <a:t>Contribution</a:t>
+            </a:r>
+          </a:p>
+          <a:p>
+            <a:r>
+              <a:rPr lang="fr-FR" dirty="0" smtClean="0"/>
+              <a:t>Implémentation</a:t>
+            </a:r>
+          </a:p>
+          <a:p>
+            <a:r>
+              <a:rPr lang="fr-FR" dirty="0" smtClean="0"/>
+              <a:t>Difficultés rencontrées</a:t>
+            </a:r>
+          </a:p>
+          <a:p>
+            <a:r>
+              <a:rPr lang="fr-FR" dirty="0" smtClean="0"/>
+              <a:t>Démo</a:t>
+            </a:r>
+          </a:p>
+          <a:p>
+            <a:r>
+              <a:rPr lang="fr-FR" dirty="0" smtClean="0"/>
+              <a:t>Bilan personnel</a:t>
+            </a:r>
+          </a:p>
+          <a:p>
+            <a:endParaRPr lang="fr-FR" dirty="0"/>
+          </a:p>
+        </p:txBody>
+      </p:sp>
+      <p:pic>
+        <p:nvPicPr>
+          <p:cNvPr id="1027" name="Picture 3"/>
+          <p:cNvPicPr>
+            <a:picLocks noChangeAspect="1" noChangeArrowheads="1"/>
+          </p:cNvPicPr>
+          <p:nvPr/>
+        </p:nvPicPr>
+        <p:blipFill>
+          <a:blip r:embed="rId3" cstate="print">
+            <a:extLst>
+              <a:ext uri="{28A0092B-C50C-407E-A947-70E740481C1C}">
+                <a14:useLocalDpi xmlns:a14="http://schemas.microsoft.com/office/drawing/2010/main" val="0"/>
+              </a:ext>
+            </a:extLst>
+          </a:blip>
+          <a:srcRect/>
+          <a:stretch>
+            <a:fillRect/>
+          </a:stretch>
+        </p:blipFill>
+        <p:spPr bwMode="auto">
+          <a:xfrm>
+            <a:off x="6732240" y="3990578"/>
+            <a:ext cx="2284404" cy="2867422"/>
+          </a:xfrm>
+          <a:prstGeom prst="rect">
+            <a:avLst/>
+          </a:prstGeom>
+          <a:noFill/>
+          <a:ln>
+            <a:noFill/>
+          </a:ln>
+          <a:extLst>
+            <a:ext uri="{909E8E84-426E-40DD-AFC4-6F175D3DCCD1}">
+              <a14:hiddenFill xmlns:a14="http://schemas.microsoft.com/office/drawing/2010/main">
+                <a:solidFill>
+                  <a:schemeClr val="accent1"/>
+                </a:solidFill>
+              </a14:hiddenFill>
+            </a:ext>
+            <a:ext uri="{91240B29-F687-4F45-9708-019B960494DF}">
+              <a14:hiddenLine xmlns:a14="http://schemas.microsoft.com/office/drawing/2010/main" w="9525">
+                <a:solidFill>
+                  <a:schemeClr val="tx1"/>
+                </a:solidFill>
+                <a:miter lim="800000"/>
+                <a:headEnd/>
+                <a:tailEnd/>
+              </a14:hiddenLine>
+            </a:ext>
+          </a:extLst>
+        </p:spPr>
+      </p:pic>
+    </p:spTree>
+    <p:extLst>
+      <p:ext uri="{BB962C8B-B14F-4D97-AF65-F5344CB8AC3E}">
+        <p14:creationId xmlns:p14="http://schemas.microsoft.com/office/powerpoint/2010/main" val="6739652"/>
+      </p:ext>
+    </p:extLst>
+  </p:cSld>
+  <p:clrMapOvr>
+    <a:masterClrMapping/>
+  </p:clrMapOvr>
+</p:sld>
+</file>
+
+<file path=ppt/slides/slide3.xml><?xml version="1.0" encoding="utf-8"?>
+<p:sld xmlns:a="http://schemas.openxmlformats.org/drawingml/2006/main" xmlns:r="http://schemas.openxmlformats.org/officeDocument/2006/relationships" xmlns:p="http://schemas.openxmlformats.org/presentationml/2006/main">
+  <p:cSld>
+    <p:spTree>
+      <p:nvGrpSpPr>
+        <p:cNvPr id="1" name=""/>
+        <p:cNvGrpSpPr/>
+        <p:nvPr/>
+      </p:nvGrpSpPr>
+      <p:grpSpPr>
+        <a:xfrm>
+          <a:off x="0" y="0"/>
+          <a:ext cx="0" cy="0"/>
+          <a:chOff x="0" y="0"/>
+          <a:chExt cx="0" cy="0"/>
+        </a:xfrm>
+      </p:grpSpPr>
+      <p:sp>
+        <p:nvSpPr>
+          <p:cNvPr id="2" name="Titre 1"/>
+          <p:cNvSpPr>
+            <a:spLocks noGrp="1"/>
+          </p:cNvSpPr>
+          <p:nvPr>
+            <p:ph type="title"/>
+          </p:nvPr>
+        </p:nvSpPr>
+        <p:spPr/>
+        <p:txBody>
+          <a:bodyPr/>
+          <a:lstStyle/>
+          <a:p>
+            <a:r>
+              <a:rPr lang="fr-FR" dirty="0" smtClean="0"/>
               <a:t>Objectifs</a:t>
             </a:r>
             <a:endParaRPr lang="fr-FR" dirty="0"/>
@@ -5145,7 +5533,7 @@
 </p:sld>
 </file>
 
-<file path=ppt/slides/slide3.xml><?xml version="1.0" encoding="utf-8"?>
+<file path=ppt/slides/slide4.xml><?xml version="1.0" encoding="utf-8"?>
 <p:sld xmlns:a="http://schemas.openxmlformats.org/drawingml/2006/main" xmlns:r="http://schemas.openxmlformats.org/officeDocument/2006/relationships" xmlns:p="http://schemas.openxmlformats.org/presentationml/2006/main">
   <p:cSld>
     <p:spTree>
@@ -5336,7 +5724,7 @@
 </p:sld>
 </file>
 
-<file path=ppt/slides/slide4.xml><?xml version="1.0" encoding="utf-8"?>
+<file path=ppt/slides/slide5.xml><?xml version="1.0" encoding="utf-8"?>
 <p:sld xmlns:a="http://schemas.openxmlformats.org/drawingml/2006/main" xmlns:r="http://schemas.openxmlformats.org/officeDocument/2006/relationships" xmlns:p="http://schemas.openxmlformats.org/presentationml/2006/main">
   <p:cSld>
     <p:spTree>
@@ -5521,7 +5909,7 @@
 </p:sld>
 </file>
 
-<file path=ppt/slides/slide5.xml><?xml version="1.0" encoding="utf-8"?>
+<file path=ppt/slides/slide6.xml><?xml version="1.0" encoding="utf-8"?>
 <p:sld xmlns:a="http://schemas.openxmlformats.org/drawingml/2006/main" xmlns:r="http://schemas.openxmlformats.org/officeDocument/2006/relationships" xmlns:p="http://schemas.openxmlformats.org/presentationml/2006/main">
   <p:cSld>
     <p:spTree>
@@ -5667,7 +6055,7 @@
 </p:sld>
 </file>
 
-<file path=ppt/slides/slide6.xml><?xml version="1.0" encoding="utf-8"?>
+<file path=ppt/slides/slide7.xml><?xml version="1.0" encoding="utf-8"?>
 <p:sld xmlns:a="http://schemas.openxmlformats.org/drawingml/2006/main" xmlns:r="http://schemas.openxmlformats.org/officeDocument/2006/relationships" xmlns:p="http://schemas.openxmlformats.org/presentationml/2006/main">
   <p:cSld>
     <p:spTree>
@@ -5797,106 +6185,6 @@
 </p:sld>
 </file>
 
-<file path=ppt/slides/slide7.xml><?xml version="1.0" encoding="utf-8"?>
-<p:sld xmlns:a="http://schemas.openxmlformats.org/drawingml/2006/main" xmlns:r="http://schemas.openxmlformats.org/officeDocument/2006/relationships" xmlns:p="http://schemas.openxmlformats.org/presentationml/2006/main">
-  <p:cSld>
-    <p:spTree>
-      <p:nvGrpSpPr>
-        <p:cNvPr id="1" name=""/>
-        <p:cNvGrpSpPr/>
-        <p:nvPr/>
-      </p:nvGrpSpPr>
-      <p:grpSpPr>
-        <a:xfrm>
-          <a:off x="0" y="0"/>
-          <a:ext cx="0" cy="0"/>
-          <a:chOff x="0" y="0"/>
-          <a:chExt cx="0" cy="0"/>
-        </a:xfrm>
-      </p:grpSpPr>
-      <p:sp>
-        <p:nvSpPr>
-          <p:cNvPr id="2" name="Titre 1"/>
-          <p:cNvSpPr>
-            <a:spLocks noGrp="1"/>
-          </p:cNvSpPr>
-          <p:nvPr>
-            <p:ph type="title"/>
-          </p:nvPr>
-        </p:nvSpPr>
-        <p:spPr/>
-        <p:txBody>
-          <a:bodyPr/>
-          <a:lstStyle/>
-          <a:p>
-            <a:r>
-              <a:rPr lang="fr-FR" dirty="0" smtClean="0"/>
-              <a:t>Bilan personnel</a:t>
-            </a:r>
-            <a:endParaRPr lang="fr-FR" dirty="0"/>
-          </a:p>
-        </p:txBody>
-      </p:sp>
-      <p:sp>
-        <p:nvSpPr>
-          <p:cNvPr id="3" name="Espace réservé du contenu 2"/>
-          <p:cNvSpPr>
-            <a:spLocks noGrp="1"/>
-          </p:cNvSpPr>
-          <p:nvPr>
-            <p:ph idx="1"/>
-          </p:nvPr>
-        </p:nvSpPr>
-        <p:spPr/>
-        <p:txBody>
-          <a:bodyPr/>
-          <a:lstStyle/>
-          <a:p>
-            <a:r>
-              <a:rPr lang="fr-FR" dirty="0" smtClean="0"/>
-              <a:t>Utilisation de Scrum</a:t>
-            </a:r>
-          </a:p>
-          <a:p>
-            <a:r>
-              <a:rPr lang="fr-FR" dirty="0" smtClean="0"/>
-              <a:t>Connaissance de nouveaux outils</a:t>
-            </a:r>
-          </a:p>
-          <a:p>
-            <a:r>
-              <a:rPr lang="fr-FR" dirty="0" smtClean="0"/>
-              <a:t>Initiation à la 3D</a:t>
-            </a:r>
-          </a:p>
-          <a:p>
-            <a:r>
-              <a:rPr lang="fr-FR" dirty="0" smtClean="0"/>
-              <a:t>Projet ludique</a:t>
-            </a:r>
-            <a:endParaRPr lang="fr-FR" dirty="0"/>
-          </a:p>
-          <a:p>
-            <a:r>
-              <a:rPr lang="fr-FR" dirty="0" smtClean="0"/>
-              <a:t>Amélioration possible de Minicraft</a:t>
-            </a:r>
-          </a:p>
-        </p:txBody>
-      </p:sp>
-    </p:spTree>
-    <p:extLst>
-      <p:ext uri="{BB962C8B-B14F-4D97-AF65-F5344CB8AC3E}">
-        <p14:creationId xmlns:p14="http://schemas.microsoft.com/office/powerpoint/2010/main" val="211916598"/>
-      </p:ext>
-    </p:extLst>
-  </p:cSld>
-  <p:clrMapOvr>
-    <a:masterClrMapping/>
-  </p:clrMapOvr>
-</p:sld>
-</file>
-
 <file path=ppt/slides/slide8.xml><?xml version="1.0" encoding="utf-8"?>
 <p:sld xmlns:a="http://schemas.openxmlformats.org/drawingml/2006/main" xmlns:r="http://schemas.openxmlformats.org/officeDocument/2006/relationships" xmlns:p="http://schemas.openxmlformats.org/presentationml/2006/main">
   <p:cSld>
@@ -5931,6 +6219,106 @@
           <a:p>
             <a:r>
               <a:rPr lang="fr-FR" dirty="0" smtClean="0"/>
+              <a:t>Bilan personnel</a:t>
+            </a:r>
+            <a:endParaRPr lang="fr-FR" dirty="0"/>
+          </a:p>
+        </p:txBody>
+      </p:sp>
+      <p:sp>
+        <p:nvSpPr>
+          <p:cNvPr id="3" name="Espace réservé du contenu 2"/>
+          <p:cNvSpPr>
+            <a:spLocks noGrp="1"/>
+          </p:cNvSpPr>
+          <p:nvPr>
+            <p:ph idx="1"/>
+          </p:nvPr>
+        </p:nvSpPr>
+        <p:spPr/>
+        <p:txBody>
+          <a:bodyPr/>
+          <a:lstStyle/>
+          <a:p>
+            <a:r>
+              <a:rPr lang="fr-FR" dirty="0" smtClean="0"/>
+              <a:t>Utilisation de Scrum</a:t>
+            </a:r>
+          </a:p>
+          <a:p>
+            <a:r>
+              <a:rPr lang="fr-FR" dirty="0" smtClean="0"/>
+              <a:t>Connaissance de nouveaux outils</a:t>
+            </a:r>
+          </a:p>
+          <a:p>
+            <a:r>
+              <a:rPr lang="fr-FR" dirty="0" smtClean="0"/>
+              <a:t>Initiation à la 3D</a:t>
+            </a:r>
+          </a:p>
+          <a:p>
+            <a:r>
+              <a:rPr lang="fr-FR" dirty="0" smtClean="0"/>
+              <a:t>Projet ludique</a:t>
+            </a:r>
+            <a:endParaRPr lang="fr-FR" dirty="0"/>
+          </a:p>
+          <a:p>
+            <a:r>
+              <a:rPr lang="fr-FR" dirty="0" smtClean="0"/>
+              <a:t>Amélioration possible de Minicraft</a:t>
+            </a:r>
+          </a:p>
+        </p:txBody>
+      </p:sp>
+    </p:spTree>
+    <p:extLst>
+      <p:ext uri="{BB962C8B-B14F-4D97-AF65-F5344CB8AC3E}">
+        <p14:creationId xmlns:p14="http://schemas.microsoft.com/office/powerpoint/2010/main" val="211916598"/>
+      </p:ext>
+    </p:extLst>
+  </p:cSld>
+  <p:clrMapOvr>
+    <a:masterClrMapping/>
+  </p:clrMapOvr>
+</p:sld>
+</file>
+
+<file path=ppt/slides/slide9.xml><?xml version="1.0" encoding="utf-8"?>
+<p:sld xmlns:a="http://schemas.openxmlformats.org/drawingml/2006/main" xmlns:r="http://schemas.openxmlformats.org/officeDocument/2006/relationships" xmlns:p="http://schemas.openxmlformats.org/presentationml/2006/main">
+  <p:cSld>
+    <p:spTree>
+      <p:nvGrpSpPr>
+        <p:cNvPr id="1" name=""/>
+        <p:cNvGrpSpPr/>
+        <p:nvPr/>
+      </p:nvGrpSpPr>
+      <p:grpSpPr>
+        <a:xfrm>
+          <a:off x="0" y="0"/>
+          <a:ext cx="0" cy="0"/>
+          <a:chOff x="0" y="0"/>
+          <a:chExt cx="0" cy="0"/>
+        </a:xfrm>
+      </p:grpSpPr>
+      <p:sp>
+        <p:nvSpPr>
+          <p:cNvPr id="2" name="Titre 1"/>
+          <p:cNvSpPr>
+            <a:spLocks noGrp="1"/>
+          </p:cNvSpPr>
+          <p:nvPr>
+            <p:ph type="title"/>
+          </p:nvPr>
+        </p:nvSpPr>
+        <p:spPr/>
+        <p:txBody>
+          <a:bodyPr/>
+          <a:lstStyle/>
+          <a:p>
+            <a:r>
+              <a:rPr lang="fr-FR" dirty="0" smtClean="0"/>
               <a:t>Merci !</a:t>
             </a:r>
             <a:endParaRPr lang="fr-FR" dirty="0"/>
@@ -5962,7 +6350,6 @@
               <a:rPr lang="fr-FR" sz="4800" dirty="0" smtClean="0"/>
               <a:t>Avez-vous des questions ?</a:t>
             </a:r>
-            <a:endParaRPr lang="fr-FR" sz="4800" dirty="0" smtClean="0"/>
           </a:p>
         </p:txBody>
       </p:sp>

--- a/doc/Presentation_Minicraft.pptx
+++ b/doc/Presentation_Minicraft.pptx
@@ -115,6 +115,22 @@
       </a:defRPr>
     </a:lvl9pPr>
   </p:defaultTextStyle>
+  <p:extLst>
+    <p:ext uri="{EFAFB233-063F-42B5-8137-9DF3F51BA10A}">
+      <p15:sldGuideLst xmlns:p15="http://schemas.microsoft.com/office/powerpoint/2012/main">
+        <p15:guide id="1" orient="horz" pos="2160">
+          <p15:clr>
+            <a:srgbClr val="A4A3A4"/>
+          </p15:clr>
+        </p15:guide>
+        <p15:guide id="2" pos="2880">
+          <p15:clr>
+            <a:srgbClr val="A4A3A4"/>
+          </p15:clr>
+        </p15:guide>
+      </p15:sldGuideLst>
+    </p:ext>
+  </p:extLst>
 </p:presentation>
 </file>
 
@@ -536,6 +552,16 @@
               <a:rPr lang="fr-FR" baseline="0" dirty="0" smtClean="0"/>
               <a:t> très connu. </a:t>
             </a:r>
+            <a:endParaRPr lang="fr-FR" baseline="0" dirty="0" smtClean="0"/>
+          </a:p>
+          <a:p>
+            <a:endParaRPr lang="fr-FR" baseline="0" dirty="0" smtClean="0"/>
+          </a:p>
+          <a:p>
+            <a:r>
+              <a:rPr lang="fr-FR" baseline="0" dirty="0" smtClean="0"/>
+              <a:t>Je tiens à dire que les initiales ça fait ROBE !</a:t>
+            </a:r>
             <a:endParaRPr lang="fr-FR" dirty="0"/>
           </a:p>
         </p:txBody>
@@ -639,7 +665,19 @@
             </a:pPr>
             <a:r>
               <a:rPr lang="fr-FR" baseline="0" dirty="0" smtClean="0"/>
-              <a:t>Benjamin : Nous allons tout d’abord énoncé les objectifs du projet, ensuite nous parlerons des outils utilisées et de l’implémentation du jeu, ensuite nous allons évoqué les difficultés rencontrées. Enfin nous terminerons par une démo et notre bilan personnel.</a:t>
+              <a:t>Benjamin : Nous allons tout d’abord énoncé les objectifs du projet, ensuite nous parlerons des </a:t>
+            </a:r>
+            <a:r>
+              <a:rPr lang="fr-FR" baseline="0" smtClean="0"/>
+              <a:t>outils </a:t>
+            </a:r>
+            <a:r>
+              <a:rPr lang="fr-FR" baseline="0" smtClean="0"/>
+              <a:t>utilisés </a:t>
+            </a:r>
+            <a:r>
+              <a:rPr lang="fr-FR" baseline="0" dirty="0" smtClean="0"/>
+              <a:t>et de l’implémentation du jeu, ensuite nous allons évoqué les difficultés rencontrées. Enfin nous terminerons par une démo et notre bilan personnel.</a:t>
             </a:r>
             <a:endParaRPr lang="fr-FR" dirty="0" smtClean="0"/>
           </a:p>
@@ -740,7 +778,43 @@
           <a:p>
             <a:r>
               <a:rPr lang="fr-FR" baseline="0" dirty="0" smtClean="0"/>
-              <a:t>Objectif commun : Anthony</a:t>
+              <a:t>Objectif commun : </a:t>
+            </a:r>
+            <a:r>
+              <a:rPr lang="fr-FR" baseline="0" dirty="0" smtClean="0"/>
+              <a:t>Anthony</a:t>
+            </a:r>
+          </a:p>
+          <a:p>
+            <a:r>
+              <a:rPr lang="fr-FR" baseline="0" dirty="0" smtClean="0"/>
+              <a:t>Git : Partage de ressources pour travailler à plusieurs  à distance sur un même projet</a:t>
+            </a:r>
+          </a:p>
+          <a:p>
+            <a:r>
+              <a:rPr lang="fr-FR" baseline="0" dirty="0" err="1" smtClean="0"/>
+              <a:t>Scrum</a:t>
+            </a:r>
+            <a:r>
+              <a:rPr lang="fr-FR" baseline="0" dirty="0" smtClean="0"/>
+              <a:t> : Découpage en sprint, user  stories , élaboration des tâches et priorités (</a:t>
+            </a:r>
+            <a:r>
+              <a:rPr lang="fr-FR" baseline="0" dirty="0" err="1" smtClean="0"/>
+              <a:t>burndown</a:t>
+            </a:r>
+            <a:r>
+              <a:rPr lang="fr-FR" baseline="0" dirty="0" smtClean="0"/>
+              <a:t> </a:t>
+            </a:r>
+            <a:r>
+              <a:rPr lang="fr-FR" baseline="0" dirty="0" err="1" smtClean="0"/>
+              <a:t>chart</a:t>
+            </a:r>
+            <a:r>
+              <a:rPr lang="fr-FR" baseline="0" dirty="0" smtClean="0"/>
+              <a:t>), estimation de temps, répartition de tâches, suivi évolution </a:t>
             </a:r>
             <a:endParaRPr lang="fr-FR" dirty="0"/>
           </a:p>
@@ -832,7 +906,15 @@
             </a:r>
             <a:r>
               <a:rPr lang="fr-FR" baseline="0" dirty="0" smtClean="0"/>
-              <a:t> : Détailler le sprint1 + Montrer le </a:t>
+              <a:t> : Détailler le sprint1 + </a:t>
+            </a:r>
+            <a:r>
+              <a:rPr lang="fr-FR" baseline="0" dirty="0" smtClean="0"/>
+              <a:t>MONTRER </a:t>
+            </a:r>
+            <a:r>
+              <a:rPr lang="fr-FR" baseline="0" dirty="0" smtClean="0"/>
+              <a:t>le </a:t>
             </a:r>
             <a:r>
               <a:rPr lang="fr-FR" baseline="0" dirty="0" err="1" smtClean="0"/>
@@ -840,20 +922,39 @@
             </a:r>
             <a:r>
               <a:rPr lang="fr-FR" baseline="0" dirty="0" smtClean="0"/>
-              <a:t> chart du sprint1</a:t>
-            </a:r>
-          </a:p>
-          <a:p>
+              <a:t> chart du </a:t>
+            </a:r>
+            <a:r>
+              <a:rPr lang="fr-FR" baseline="0" dirty="0" smtClean="0"/>
+              <a:t>sprint1</a:t>
+            </a:r>
+          </a:p>
+          <a:p>
+            <a:r>
+              <a:rPr lang="fr-FR" baseline="0" dirty="0" smtClean="0"/>
+              <a:t>Basic de Mine </a:t>
+            </a:r>
+            <a:r>
+              <a:rPr lang="fr-FR" baseline="0" dirty="0" err="1" smtClean="0"/>
+              <a:t>craft</a:t>
+            </a:r>
+            <a:r>
+              <a:rPr lang="fr-FR" baseline="0" dirty="0" smtClean="0"/>
+              <a:t> : 1P et gravité , déplacer, sauter, déposer retirer bloc, textures, collisions</a:t>
+            </a:r>
             <a:endParaRPr lang="fr-FR" baseline="0" dirty="0" smtClean="0"/>
           </a:p>
           <a:p>
+            <a:endParaRPr lang="fr-FR" baseline="0" dirty="0" smtClean="0"/>
+          </a:p>
+          <a:p>
             <a:r>
               <a:rPr lang="fr-FR" baseline="0" dirty="0" smtClean="0"/>
-              <a:t>Sprint2 (Benjamin</a:t>
+              <a:t>Sprint2 (Benjamin) : Tâches à effectuer </a:t>
             </a:r>
             <a:r>
               <a:rPr lang="fr-FR" baseline="0" dirty="0" smtClean="0"/>
-              <a:t>) : Tâches à effectuer + </a:t>
+              <a:t>+ MONTRER  </a:t>
             </a:r>
             <a:r>
               <a:rPr lang="fr-FR" baseline="0" dirty="0" err="1" smtClean="0"/>
@@ -869,7 +970,17 @@
             </a:r>
             <a:r>
               <a:rPr lang="fr-FR" baseline="0" dirty="0" smtClean="0"/>
-              <a:t> du sprint2</a:t>
+              <a:t> du </a:t>
+            </a:r>
+            <a:r>
+              <a:rPr lang="fr-FR" baseline="0" dirty="0" smtClean="0"/>
+              <a:t>sprint2</a:t>
+            </a:r>
+          </a:p>
+          <a:p>
+            <a:r>
+              <a:rPr lang="fr-FR" baseline="0" dirty="0" smtClean="0"/>
+              <a:t>Plus conséquent : taille joueur, maitrise du posage de bloc (sur soi), structures prédéfinies, macros, aider le joueur (HUD, menu)</a:t>
             </a:r>
             <a:endParaRPr lang="fr-FR" dirty="0"/>
           </a:p>
@@ -957,7 +1068,65 @@
           <a:p>
             <a:r>
               <a:rPr lang="fr-FR" dirty="0" smtClean="0"/>
-              <a:t>Outil : Anthony</a:t>
+              <a:t>Outil : </a:t>
+            </a:r>
+            <a:r>
+              <a:rPr lang="fr-FR" dirty="0" smtClean="0"/>
+              <a:t>Anthony</a:t>
+            </a:r>
+          </a:p>
+          <a:p>
+            <a:r>
+              <a:rPr lang="fr-FR" dirty="0" smtClean="0"/>
+              <a:t>Explications de </a:t>
+            </a:r>
+            <a:r>
+              <a:rPr lang="fr-FR" dirty="0" err="1" smtClean="0"/>
+              <a:t>Jmonkey</a:t>
+            </a:r>
+            <a:r>
+              <a:rPr lang="fr-FR" dirty="0" smtClean="0"/>
+              <a:t> </a:t>
+            </a:r>
+            <a:r>
+              <a:rPr lang="fr-FR" dirty="0" err="1" smtClean="0"/>
+              <a:t>Engine</a:t>
+            </a:r>
+            <a:r>
+              <a:rPr lang="fr-FR" baseline="0" dirty="0" smtClean="0"/>
+              <a:t> 3 : moteur 3D pour réaliser des jeux (JOLI)</a:t>
+            </a:r>
+          </a:p>
+          <a:p>
+            <a:r>
+              <a:rPr lang="fr-FR" baseline="0" dirty="0" smtClean="0"/>
+              <a:t>Possède son propre SDK pour développer (mais nous </a:t>
+            </a:r>
+            <a:r>
+              <a:rPr lang="fr-FR" baseline="0" dirty="0" err="1" smtClean="0"/>
+              <a:t>eclipse</a:t>
+            </a:r>
+            <a:r>
+              <a:rPr lang="fr-FR" baseline="0" dirty="0" smtClean="0"/>
+              <a:t>)</a:t>
+            </a:r>
+          </a:p>
+          <a:p>
+            <a:r>
+              <a:rPr lang="fr-FR" baseline="0" dirty="0" smtClean="0"/>
+              <a:t>Certains nombre de choses déjà implémentées : Player, nœuds, </a:t>
+            </a:r>
+            <a:r>
+              <a:rPr lang="fr-FR" baseline="0" dirty="0" err="1" smtClean="0"/>
+              <a:t>nifty</a:t>
+            </a:r>
+            <a:r>
+              <a:rPr lang="fr-FR" baseline="0" dirty="0" smtClean="0"/>
+              <a:t> pour écrans, </a:t>
+            </a:r>
+            <a:r>
+              <a:rPr lang="fr-FR" baseline="0" dirty="0" err="1" smtClean="0"/>
+              <a:t>etc</a:t>
             </a:r>
             <a:endParaRPr lang="fr-FR" dirty="0"/>
           </a:p>
@@ -1045,7 +1214,31 @@
           <a:p>
             <a:r>
               <a:rPr lang="fr-FR" dirty="0" smtClean="0"/>
-              <a:t>Diapo : Victor</a:t>
+              <a:t>Diapo : </a:t>
+            </a:r>
+            <a:r>
+              <a:rPr lang="fr-FR" dirty="0" smtClean="0"/>
+              <a:t>Victor</a:t>
+            </a:r>
+          </a:p>
+          <a:p>
+            <a:r>
+              <a:rPr lang="fr-FR" dirty="0" smtClean="0"/>
+              <a:t>…</a:t>
+            </a:r>
+          </a:p>
+          <a:p>
+            <a:r>
+              <a:rPr lang="fr-FR" dirty="0" err="1" smtClean="0"/>
+              <a:t>Assets</a:t>
+            </a:r>
+            <a:r>
+              <a:rPr lang="fr-FR" dirty="0" smtClean="0"/>
+              <a:t> : les éléments</a:t>
+            </a:r>
+            <a:r>
+              <a:rPr lang="fr-FR" baseline="0" dirty="0" smtClean="0"/>
+              <a:t> multimédias à importer : sons, textures</a:t>
             </a:r>
             <a:endParaRPr lang="fr-FR" dirty="0"/>
           </a:p>
@@ -1141,12 +1334,143 @@
             </a:r>
           </a:p>
           <a:p>
+            <a:r>
+              <a:rPr lang="fr-FR" baseline="0" dirty="0" err="1" smtClean="0"/>
+              <a:t>Jmonkey</a:t>
+            </a:r>
+            <a:r>
+              <a:rPr lang="fr-FR" baseline="0" dirty="0" smtClean="0"/>
+              <a:t> : parti de zéro pour maîtriser l’outil, long même si beaucoup de </a:t>
+            </a:r>
+            <a:r>
+              <a:rPr lang="fr-FR" baseline="0" dirty="0" err="1" smtClean="0"/>
+              <a:t>tuto</a:t>
+            </a:r>
             <a:endParaRPr lang="fr-FR" baseline="0" dirty="0" smtClean="0"/>
           </a:p>
           <a:p>
+            <a:pPr marL="0" marR="0" indent="0" algn="l" defTabSz="914400" rtl="0" eaLnBrk="1" fontAlgn="auto" latinLnBrk="0" hangingPunct="1">
+              <a:lnSpc>
+                <a:spcPct val="100000"/>
+              </a:lnSpc>
+              <a:spcBef>
+                <a:spcPts val="0"/>
+              </a:spcBef>
+              <a:spcAft>
+                <a:spcPts val="0"/>
+              </a:spcAft>
+              <a:buClrTx/>
+              <a:buSzTx/>
+              <a:buFontTx/>
+              <a:buNone/>
+              <a:tabLst/>
+              <a:defRPr/>
+            </a:pPr>
             <a:r>
               <a:rPr lang="fr-FR" baseline="0" dirty="0" smtClean="0"/>
-              <a:t>A la fin de la diapo : Démo par Benjamin</a:t>
+              <a:t>Pb d’implémentation de </a:t>
+            </a:r>
+            <a:r>
+              <a:rPr lang="fr-FR" baseline="0" dirty="0" err="1" smtClean="0"/>
+              <a:t>Jmonkey</a:t>
+            </a:r>
+            <a:r>
+              <a:rPr lang="fr-FR" baseline="0" dirty="0" smtClean="0"/>
+              <a:t> (gestion de </a:t>
+            </a:r>
+            <a:r>
+              <a:rPr lang="fr-FR" baseline="0" dirty="0" err="1" smtClean="0"/>
+              <a:t>clik</a:t>
+            </a:r>
+            <a:r>
+              <a:rPr lang="fr-FR" baseline="0" dirty="0" smtClean="0"/>
+              <a:t> souris), moyennement documenté à part les </a:t>
+            </a:r>
+            <a:r>
+              <a:rPr lang="fr-FR" baseline="0" dirty="0" err="1" smtClean="0"/>
+              <a:t>tutos</a:t>
+            </a:r>
+            <a:endParaRPr lang="fr-FR" baseline="0" dirty="0" smtClean="0"/>
+          </a:p>
+          <a:p>
+            <a:r>
+              <a:rPr lang="fr-FR" baseline="0" dirty="0" err="1" smtClean="0"/>
+              <a:t>Tuto</a:t>
+            </a:r>
+            <a:r>
+              <a:rPr lang="fr-FR" baseline="0" dirty="0" smtClean="0"/>
+              <a:t>  </a:t>
+            </a:r>
+            <a:r>
+              <a:rPr lang="fr-FR" baseline="0" dirty="0" err="1" smtClean="0"/>
+              <a:t>CharacterControl</a:t>
+            </a:r>
+            <a:r>
+              <a:rPr lang="fr-FR" baseline="0" dirty="0" smtClean="0"/>
+              <a:t> </a:t>
+            </a:r>
+            <a:r>
+              <a:rPr lang="fr-FR" baseline="0" dirty="0" err="1" smtClean="0"/>
+              <a:t>dépreciated</a:t>
+            </a:r>
+            <a:endParaRPr lang="fr-FR" baseline="0" dirty="0" smtClean="0"/>
+          </a:p>
+          <a:p>
+            <a:r>
+              <a:rPr lang="fr-FR" baseline="0" dirty="0" smtClean="0"/>
+              <a:t>Grosses difficultés avec Git, très peu abordé en cours -&gt; </a:t>
+            </a:r>
+            <a:r>
+              <a:rPr lang="fr-FR" baseline="0" dirty="0" err="1" smtClean="0"/>
+              <a:t>Merge</a:t>
+            </a:r>
+            <a:r>
+              <a:rPr lang="fr-FR" baseline="0" dirty="0" smtClean="0"/>
+              <a:t> (plugin Eclipse)</a:t>
+            </a:r>
+          </a:p>
+          <a:p>
+            <a:r>
+              <a:rPr lang="fr-FR" baseline="0" dirty="0" smtClean="0"/>
+              <a:t>Collision : voir à travers les blocs, être planté dans des blocs</a:t>
+            </a:r>
+          </a:p>
+          <a:p>
+            <a:r>
+              <a:rPr lang="fr-FR" baseline="0" dirty="0" smtClean="0"/>
+              <a:t>Taille du personnage (trop grand puis trop petit)</a:t>
+            </a:r>
+          </a:p>
+          <a:p>
+            <a:r>
+              <a:rPr lang="fr-FR" baseline="0" dirty="0" smtClean="0"/>
+              <a:t>Menu : interagir avec </a:t>
+            </a:r>
+            <a:r>
+              <a:rPr lang="fr-FR" baseline="0" dirty="0" err="1" smtClean="0"/>
+              <a:t>Nifty</a:t>
+            </a:r>
+            <a:endParaRPr lang="fr-FR" baseline="0" dirty="0" smtClean="0"/>
+          </a:p>
+          <a:p>
+            <a:endParaRPr lang="fr-FR" baseline="0" dirty="0" smtClean="0"/>
+          </a:p>
+          <a:p>
+            <a:r>
+              <a:rPr lang="fr-FR" baseline="0" dirty="0" smtClean="0"/>
+              <a:t>A la fin de la diapo : </a:t>
+            </a:r>
+            <a:r>
+              <a:rPr lang="fr-FR" baseline="0" dirty="0" smtClean="0"/>
+              <a:t>DEMO </a:t>
+            </a:r>
+            <a:r>
+              <a:rPr lang="fr-FR" baseline="0" dirty="0" smtClean="0"/>
+              <a:t>par </a:t>
+            </a:r>
+            <a:r>
+              <a:rPr lang="fr-FR" baseline="0" dirty="0" smtClean="0"/>
+              <a:t>Benjamin </a:t>
             </a:r>
             <a:endParaRPr lang="fr-FR" dirty="0"/>
           </a:p>
@@ -1238,11 +1562,33 @@
             </a:r>
             <a:r>
               <a:rPr lang="fr-FR" baseline="0" dirty="0" smtClean="0"/>
-              <a:t> Tout le </a:t>
-            </a:r>
+              <a:t> Tout le monde</a:t>
+            </a:r>
+          </a:p>
+          <a:p>
+            <a:endParaRPr lang="fr-FR" baseline="0" dirty="0" smtClean="0"/>
+          </a:p>
+          <a:p>
+            <a:pPr marL="0" marR="0" indent="0" algn="l" defTabSz="914400" rtl="0" eaLnBrk="1" fontAlgn="auto" latinLnBrk="0" hangingPunct="1">
+              <a:lnSpc>
+                <a:spcPct val="100000"/>
+              </a:lnSpc>
+              <a:spcBef>
+                <a:spcPts val="0"/>
+              </a:spcBef>
+              <a:spcAft>
+                <a:spcPts val="0"/>
+              </a:spcAft>
+              <a:buClrTx/>
+              <a:buSzTx/>
+              <a:buFontTx/>
+              <a:buNone/>
+              <a:tabLst/>
+              <a:defRPr/>
+            </a:pPr>
             <a:r>
               <a:rPr lang="fr-FR" baseline="0" dirty="0" smtClean="0"/>
-              <a:t>monde</a:t>
+              <a:t>Le projet le plus intéressant</a:t>
             </a:r>
           </a:p>
           <a:p>
@@ -1289,7 +1635,11 @@
             </a:pPr>
             <a:r>
               <a:rPr lang="fr-FR" baseline="0" dirty="0" smtClean="0"/>
-              <a:t>Plus de forme possible</a:t>
+              <a:t>Plus de </a:t>
+            </a:r>
+            <a:r>
+              <a:rPr lang="fr-FR" baseline="0" dirty="0" smtClean="0"/>
+              <a:t>formes possible</a:t>
             </a:r>
           </a:p>
           <a:p>
@@ -1299,11 +1649,7 @@
             </a:pPr>
             <a:r>
               <a:rPr lang="fr-FR" baseline="0" dirty="0" smtClean="0"/>
-              <a:t>Exporter les constructions à un format importable dans </a:t>
-            </a:r>
-            <a:r>
-              <a:rPr lang="fr-FR" baseline="0" dirty="0" err="1" smtClean="0"/>
-              <a:t>Minecraft</a:t>
+              <a:t>Renommer et sauvegarder macros</a:t>
             </a:r>
             <a:endParaRPr lang="fr-FR" baseline="0" dirty="0" smtClean="0"/>
           </a:p>
@@ -1314,13 +1660,96 @@
             </a:pPr>
             <a:r>
               <a:rPr lang="fr-FR" baseline="0" dirty="0" smtClean="0"/>
-              <a:t>Améliorer graphisme (Joueur + complet, prévisualisation des </a:t>
-            </a:r>
-            <a:r>
-              <a:rPr lang="fr-FR" baseline="0" smtClean="0"/>
-              <a:t>structures etc..)</a:t>
-            </a:r>
-            <a:endParaRPr lang="fr-FR" dirty="0"/>
+              <a:t>Exporter les constructions à un format importable dans </a:t>
+            </a:r>
+            <a:r>
+              <a:rPr lang="fr-FR" baseline="0" dirty="0" err="1" smtClean="0"/>
+              <a:t>Minecraft</a:t>
+            </a:r>
+            <a:endParaRPr lang="fr-FR" baseline="0" dirty="0" smtClean="0"/>
+          </a:p>
+          <a:p>
+            <a:pPr marL="171450" indent="-171450">
+              <a:buFontTx/>
+              <a:buChar char="-"/>
+            </a:pPr>
+            <a:r>
+              <a:rPr lang="fr-FR" baseline="0" dirty="0" smtClean="0"/>
+              <a:t>Améliorer </a:t>
+            </a:r>
+            <a:r>
+              <a:rPr lang="fr-FR" baseline="0" dirty="0" smtClean="0"/>
+              <a:t>graphisme et design </a:t>
+            </a:r>
+            <a:r>
+              <a:rPr lang="fr-FR" baseline="0" dirty="0" smtClean="0"/>
+              <a:t>(Joueur + complet, prévisualisation des structures etc</a:t>
+            </a:r>
+            <a:r>
+              <a:rPr lang="fr-FR" baseline="0" dirty="0" smtClean="0"/>
+              <a:t>..)</a:t>
+            </a:r>
+          </a:p>
+          <a:p>
+            <a:pPr marL="171450" indent="-171450">
+              <a:buFontTx/>
+              <a:buChar char="-"/>
+            </a:pPr>
+            <a:r>
+              <a:rPr lang="fr-FR" baseline="0" dirty="0" smtClean="0"/>
+              <a:t>Mettre du son (enlever, ajouter des blocs, macro, téléportation)</a:t>
+            </a:r>
+          </a:p>
+          <a:p>
+            <a:pPr marL="171450" indent="-171450">
+              <a:buFontTx/>
+              <a:buChar char="-"/>
+            </a:pPr>
+            <a:r>
+              <a:rPr lang="fr-FR" baseline="0" dirty="0" smtClean="0"/>
+              <a:t>Créer un menu au lancement du  jeu (charger </a:t>
+            </a:r>
+            <a:r>
+              <a:rPr lang="fr-FR" baseline="0" dirty="0" err="1" smtClean="0"/>
+              <a:t>partie+importer</a:t>
+            </a:r>
+            <a:r>
+              <a:rPr lang="fr-FR" baseline="0" dirty="0" smtClean="0"/>
+              <a:t> macros, nouvelle carte (plusieurs </a:t>
+            </a:r>
+            <a:r>
+              <a:rPr lang="fr-FR" baseline="0" dirty="0" err="1" smtClean="0"/>
+              <a:t>fonds,etc</a:t>
+            </a:r>
+            <a:r>
+              <a:rPr lang="fr-FR" baseline="0" dirty="0" smtClean="0"/>
+              <a:t>))</a:t>
+            </a:r>
+          </a:p>
+          <a:p>
+            <a:pPr marL="171450" indent="-171450">
+              <a:buFontTx/>
+              <a:buChar char="-"/>
+            </a:pPr>
+            <a:r>
+              <a:rPr lang="fr-FR" baseline="0" dirty="0" smtClean="0"/>
+              <a:t>Améliorer HUD (</a:t>
+            </a:r>
+            <a:r>
+              <a:rPr lang="fr-FR" baseline="0" dirty="0" err="1" smtClean="0"/>
+              <a:t>rec</a:t>
+            </a:r>
+            <a:r>
+              <a:rPr lang="fr-FR" baseline="0" dirty="0" smtClean="0"/>
+              <a:t> macro)</a:t>
+            </a:r>
+          </a:p>
+          <a:p>
+            <a:pPr marL="171450" indent="-171450">
+              <a:buFontTx/>
+              <a:buChar char="-"/>
+            </a:pPr>
+            <a:endParaRPr lang="fr-FR" baseline="0" dirty="0" smtClean="0"/>
           </a:p>
         </p:txBody>
       </p:sp>
@@ -1351,6 +1780,108 @@
     <p:extLst>
       <p:ext uri="{BB962C8B-B14F-4D97-AF65-F5344CB8AC3E}">
         <p14:creationId xmlns:p14="http://schemas.microsoft.com/office/powerpoint/2010/main" val="1764784018"/>
+      </p:ext>
+    </p:extLst>
+  </p:cSld>
+  <p:clrMapOvr>
+    <a:masterClrMapping/>
+  </p:clrMapOvr>
+</p:notes>
+</file>
+
+<file path=ppt/notesSlides/notesSlide9.xml><?xml version="1.0" encoding="utf-8"?>
+<p:notes xmlns:a="http://schemas.openxmlformats.org/drawingml/2006/main" xmlns:r="http://schemas.openxmlformats.org/officeDocument/2006/relationships" xmlns:p="http://schemas.openxmlformats.org/presentationml/2006/main">
+  <p:cSld>
+    <p:spTree>
+      <p:nvGrpSpPr>
+        <p:cNvPr id="1" name=""/>
+        <p:cNvGrpSpPr/>
+        <p:nvPr/>
+      </p:nvGrpSpPr>
+      <p:grpSpPr>
+        <a:xfrm>
+          <a:off x="0" y="0"/>
+          <a:ext cx="0" cy="0"/>
+          <a:chOff x="0" y="0"/>
+          <a:chExt cx="0" cy="0"/>
+        </a:xfrm>
+      </p:grpSpPr>
+      <p:sp>
+        <p:nvSpPr>
+          <p:cNvPr id="2" name="Espace réservé de l'image des diapositives 1"/>
+          <p:cNvSpPr>
+            <a:spLocks noGrp="1" noRot="1" noChangeAspect="1"/>
+          </p:cNvSpPr>
+          <p:nvPr>
+            <p:ph type="sldImg"/>
+          </p:nvPr>
+        </p:nvSpPr>
+        <p:spPr/>
+      </p:sp>
+      <p:sp>
+        <p:nvSpPr>
+          <p:cNvPr id="3" name="Espace réservé des commentaires 2"/>
+          <p:cNvSpPr>
+            <a:spLocks noGrp="1"/>
+          </p:cNvSpPr>
+          <p:nvPr>
+            <p:ph type="body" idx="1"/>
+          </p:nvPr>
+        </p:nvSpPr>
+        <p:spPr/>
+        <p:txBody>
+          <a:bodyPr/>
+          <a:lstStyle/>
+          <a:p>
+            <a:r>
+              <a:rPr lang="fr-FR" dirty="0" err="1" smtClean="0"/>
+              <a:t>Like</a:t>
+            </a:r>
+            <a:r>
+              <a:rPr lang="fr-FR" dirty="0" smtClean="0"/>
+              <a:t> a</a:t>
+            </a:r>
+            <a:r>
+              <a:rPr lang="fr-FR" baseline="0" dirty="0" smtClean="0"/>
+              <a:t> boss </a:t>
+            </a:r>
+            <a:r>
+              <a:rPr lang="fr-FR" baseline="0" dirty="0" smtClean="0">
+                <a:sym typeface="Wingdings" panose="05000000000000000000" pitchFamily="2" charset="2"/>
+              </a:rPr>
+              <a:t></a:t>
+            </a:r>
+            <a:endParaRPr lang="fr-FR" dirty="0"/>
+          </a:p>
+        </p:txBody>
+      </p:sp>
+      <p:sp>
+        <p:nvSpPr>
+          <p:cNvPr id="4" name="Espace réservé du numéro de diapositive 3"/>
+          <p:cNvSpPr>
+            <a:spLocks noGrp="1"/>
+          </p:cNvSpPr>
+          <p:nvPr>
+            <p:ph type="sldNum" sz="quarter" idx="10"/>
+          </p:nvPr>
+        </p:nvSpPr>
+        <p:spPr/>
+        <p:txBody>
+          <a:bodyPr/>
+          <a:lstStyle/>
+          <a:p>
+            <a:fld id="{D032A23F-5570-49CD-A3E6-C4811BF41EB9}" type="slidenum">
+              <a:rPr lang="fr-FR" smtClean="0"/>
+              <a:t>9</a:t>
+            </a:fld>
+            <a:endParaRPr lang="fr-FR"/>
+          </a:p>
+        </p:txBody>
+      </p:sp>
+    </p:spTree>
+    <p:extLst>
+      <p:ext uri="{BB962C8B-B14F-4D97-AF65-F5344CB8AC3E}">
+        <p14:creationId xmlns:p14="http://schemas.microsoft.com/office/powerpoint/2010/main" val="1426682172"/>
       </p:ext>
     </p:extLst>
   </p:cSld>
@@ -5097,21 +5628,34 @@
           <a:p>
             <a:r>
               <a:rPr lang="fr-FR" dirty="0" smtClean="0"/>
-              <a:t>OLEA Anthony</a:t>
-            </a:r>
-          </a:p>
-          <a:p>
+              <a:t>OLEA </a:t>
+            </a:r>
             <a:r>
               <a:rPr lang="fr-FR" dirty="0" smtClean="0"/>
-              <a:t>ESCARIEUX Guillaume</a:t>
-            </a:r>
-          </a:p>
-          <a:p>
+              <a:t>Anthony</a:t>
+            </a:r>
+          </a:p>
+          <a:p>
+            <a:r>
+              <a:rPr lang="fr-FR" dirty="0"/>
+              <a:t>BRAUD </a:t>
+            </a:r>
             <a:r>
               <a:rPr lang="fr-FR" dirty="0" smtClean="0"/>
-              <a:t>BRAUD Benjamin</a:t>
-            </a:r>
-            <a:endParaRPr lang="fr-FR" dirty="0"/>
+              <a:t>Benjamin</a:t>
+            </a:r>
+            <a:endParaRPr lang="fr-FR" dirty="0" smtClean="0"/>
+          </a:p>
+          <a:p>
+            <a:r>
+              <a:rPr lang="fr-FR" dirty="0" smtClean="0"/>
+              <a:t>ESCARIEUX </a:t>
+            </a:r>
+            <a:r>
+              <a:rPr lang="fr-FR" dirty="0" smtClean="0"/>
+              <a:t>Guillaume</a:t>
+            </a:r>
+            <a:endParaRPr lang="fr-FR" dirty="0" smtClean="0"/>
           </a:p>
         </p:txBody>
       </p:sp>
@@ -5906,6 +6450,13 @@
   <p:clrMapOvr>
     <a:masterClrMapping/>
   </p:clrMapOvr>
+  <p:timing>
+    <p:tnLst>
+      <p:par>
+        <p:cTn id="1" dur="indefinite" restart="never" nodeType="tmRoot"/>
+      </p:par>
+    </p:tnLst>
+  </p:timing>
 </p:sld>
 </file>
 
@@ -5959,7 +6510,12 @@
             <p:ph idx="1"/>
           </p:nvPr>
         </p:nvSpPr>
-        <p:spPr/>
+        <p:spPr>
+          <a:xfrm>
+            <a:off x="6361" y="1563624"/>
+            <a:ext cx="8229600" cy="4625609"/>
+          </a:xfrm>
+        </p:spPr>
         <p:txBody>
           <a:bodyPr/>
           <a:lstStyle/>
@@ -6042,6 +6598,36 @@
           </a:p>
         </p:txBody>
       </p:sp>
+      <p:pic>
+        <p:nvPicPr>
+          <p:cNvPr id="4" name="Image 3"/>
+          <p:cNvPicPr>
+            <a:picLocks noChangeAspect="1"/>
+          </p:cNvPicPr>
+          <p:nvPr/>
+        </p:nvPicPr>
+        <p:blipFill>
+          <a:blip r:embed="rId3">
+            <a:extLst>
+              <a:ext uri="{28A0092B-C50C-407E-A947-70E740481C1C}">
+                <a14:useLocalDpi xmlns:a14="http://schemas.microsoft.com/office/drawing/2010/main" val="0"/>
+              </a:ext>
+            </a:extLst>
+          </a:blip>
+          <a:stretch>
+            <a:fillRect/>
+          </a:stretch>
+        </p:blipFill>
+        <p:spPr>
+          <a:xfrm>
+            <a:off x="6516216" y="0"/>
+            <a:ext cx="2627784" cy="6858000"/>
+          </a:xfrm>
+          <a:prstGeom prst="rect">
+            <a:avLst/>
+          </a:prstGeom>
+        </p:spPr>
+      </p:pic>
     </p:spTree>
     <p:extLst>
       <p:ext uri="{BB962C8B-B14F-4D97-AF65-F5344CB8AC3E}">
@@ -6052,6 +6638,13 @@
   <p:clrMapOvr>
     <a:masterClrMapping/>
   </p:clrMapOvr>
+  <p:timing>
+    <p:tnLst>
+      <p:par>
+        <p:cTn id="1" dur="indefinite" restart="never" nodeType="tmRoot"/>
+      </p:par>
+    </p:tnLst>
+  </p:timing>
 </p:sld>
 </file>
 
@@ -6182,6 +6775,13 @@
   <p:clrMapOvr>
     <a:masterClrMapping/>
   </p:clrMapOvr>
+  <p:timing>
+    <p:tnLst>
+      <p:par>
+        <p:cTn id="1" dur="indefinite" restart="never" nodeType="tmRoot"/>
+      </p:par>
+    </p:tnLst>
+  </p:timing>
 </p:sld>
 </file>
 
@@ -6362,7 +6962,7 @@
           <p:nvPr/>
         </p:nvPicPr>
         <p:blipFill>
-          <a:blip r:embed="rId2">
+          <a:blip r:embed="rId3">
             <a:extLst>
               <a:ext uri="{28A0092B-C50C-407E-A947-70E740481C1C}">
                 <a14:useLocalDpi xmlns:a14="http://schemas.microsoft.com/office/drawing/2010/main" val="0"/>

--- a/doc/Presentation_Minicraft.pptx
+++ b/doc/Presentation_Minicraft.pptx
@@ -117,7 +117,7 @@
   </p:defaultTextStyle>
   <p:extLst>
     <p:ext uri="{EFAFB233-063F-42B5-8137-9DF3F51BA10A}">
-      <p15:sldGuideLst xmlns:p15="http://schemas.microsoft.com/office/powerpoint/2012/main">
+      <p15:sldGuideLst xmlns:p15="http://schemas.microsoft.com/office/powerpoint/2012/main" xmlns="">
         <p15:guide id="1" orient="horz" pos="2160">
           <p15:clr>
             <a:srgbClr val="A4A3A4"/>
@@ -552,7 +552,6 @@
               <a:rPr lang="fr-FR" baseline="0" dirty="0" smtClean="0"/>
               <a:t> très connu. </a:t>
             </a:r>
-            <a:endParaRPr lang="fr-FR" baseline="0" dirty="0" smtClean="0"/>
           </a:p>
           <a:p>
             <a:endParaRPr lang="fr-FR" baseline="0" dirty="0" smtClean="0"/>
@@ -669,11 +668,7 @@
             </a:r>
             <a:r>
               <a:rPr lang="fr-FR" baseline="0" smtClean="0"/>
-              <a:t>outils </a:t>
-            </a:r>
-            <a:r>
-              <a:rPr lang="fr-FR" baseline="0" smtClean="0"/>
-              <a:t>utilisés </a:t>
+              <a:t>outils utilisés </a:t>
             </a:r>
             <a:r>
               <a:rPr lang="fr-FR" baseline="0" dirty="0" smtClean="0"/>
@@ -778,11 +773,7 @@
           <a:p>
             <a:r>
               <a:rPr lang="fr-FR" baseline="0" dirty="0" smtClean="0"/>
-              <a:t>Objectif commun : </a:t>
-            </a:r>
-            <a:r>
-              <a:rPr lang="fr-FR" baseline="0" dirty="0" smtClean="0"/>
-              <a:t>Anthony</a:t>
+              <a:t>Objectif commun : Anthony</a:t>
             </a:r>
           </a:p>
           <a:p>
@@ -798,7 +789,7 @@
             </a:r>
             <a:r>
               <a:rPr lang="fr-FR" baseline="0" dirty="0" smtClean="0"/>
-              <a:t> : Découpage en sprint, user  stories , élaboration des tâches et priorités (</a:t>
+              <a:t> : Découpage en sprint, user stories, élaboration des tâches et priorités (</a:t>
             </a:r>
             <a:r>
               <a:rPr lang="fr-FR" baseline="0" dirty="0" err="1" smtClean="0"/>
@@ -906,15 +897,7 @@
             </a:r>
             <a:r>
               <a:rPr lang="fr-FR" baseline="0" dirty="0" smtClean="0"/>
-              <a:t> : Détailler le sprint1 + </a:t>
-            </a:r>
-            <a:r>
-              <a:rPr lang="fr-FR" baseline="0" dirty="0" smtClean="0"/>
-              <a:t>MONTRER </a:t>
-            </a:r>
-            <a:r>
-              <a:rPr lang="fr-FR" baseline="0" dirty="0" smtClean="0"/>
-              <a:t>le </a:t>
+              <a:t> : Détailler le sprint1 + MONTRER le </a:t>
             </a:r>
             <a:r>
               <a:rPr lang="fr-FR" baseline="0" dirty="0" err="1" smtClean="0"/>
@@ -922,11 +905,7 @@
             </a:r>
             <a:r>
               <a:rPr lang="fr-FR" baseline="0" dirty="0" smtClean="0"/>
-              <a:t> chart du </a:t>
-            </a:r>
-            <a:r>
-              <a:rPr lang="fr-FR" baseline="0" dirty="0" smtClean="0"/>
-              <a:t>sprint1</a:t>
+              <a:t> chart du sprint1</a:t>
             </a:r>
           </a:p>
           <a:p>
@@ -942,19 +921,14 @@
               <a:rPr lang="fr-FR" baseline="0" dirty="0" smtClean="0"/>
               <a:t> : 1P et gravité , déplacer, sauter, déposer retirer bloc, textures, collisions</a:t>
             </a:r>
+          </a:p>
+          <a:p>
             <a:endParaRPr lang="fr-FR" baseline="0" dirty="0" smtClean="0"/>
           </a:p>
           <a:p>
-            <a:endParaRPr lang="fr-FR" baseline="0" dirty="0" smtClean="0"/>
-          </a:p>
-          <a:p>
             <a:r>
               <a:rPr lang="fr-FR" baseline="0" dirty="0" smtClean="0"/>
-              <a:t>Sprint2 (Benjamin) : Tâches à effectuer </a:t>
-            </a:r>
-            <a:r>
-              <a:rPr lang="fr-FR" baseline="0" dirty="0" smtClean="0"/>
-              <a:t>+ MONTRER  </a:t>
+              <a:t>Sprint2 (Benjamin) : Tâches à effectuer + MONTRER  </a:t>
             </a:r>
             <a:r>
               <a:rPr lang="fr-FR" baseline="0" dirty="0" err="1" smtClean="0"/>
@@ -970,11 +944,7 @@
             </a:r>
             <a:r>
               <a:rPr lang="fr-FR" baseline="0" dirty="0" smtClean="0"/>
-              <a:t> du </a:t>
-            </a:r>
-            <a:r>
-              <a:rPr lang="fr-FR" baseline="0" dirty="0" smtClean="0"/>
-              <a:t>sprint2</a:t>
+              <a:t> du sprint2</a:t>
             </a:r>
           </a:p>
           <a:p>
@@ -1068,11 +1038,7 @@
           <a:p>
             <a:r>
               <a:rPr lang="fr-FR" dirty="0" smtClean="0"/>
-              <a:t>Outil : </a:t>
-            </a:r>
-            <a:r>
-              <a:rPr lang="fr-FR" dirty="0" smtClean="0"/>
-              <a:t>Anthony</a:t>
+              <a:t>Outil : Anthony</a:t>
             </a:r>
           </a:p>
           <a:p>
@@ -1094,13 +1060,29 @@
             </a:r>
             <a:r>
               <a:rPr lang="fr-FR" baseline="0" dirty="0" smtClean="0"/>
-              <a:t> 3 : moteur 3D pour réaliser des jeux (JOLI)</a:t>
-            </a:r>
-          </a:p>
-          <a:p>
+              <a:t> 3 : moteur 3D pour réaliser des jeux (JOLI), écrit 100% en Java, libre (licence BSD), utilise la bibliothèque LWJGL (</a:t>
+            </a:r>
+            <a:r>
+              <a:rPr lang="fr-FR" baseline="0" dirty="0" err="1" smtClean="0"/>
+              <a:t>Lightweight</a:t>
+            </a:r>
             <a:r>
               <a:rPr lang="fr-FR" baseline="0" dirty="0" smtClean="0"/>
-              <a:t>Possède son propre SDK pour développer (mais nous </a:t>
+              <a:t> Java Game Library, libre aussi sous Licence BSD) écrite en Java et en C pour communiquer avec OpenGL (bibliothèque native)</a:t>
+            </a:r>
+          </a:p>
+          <a:p>
+            <a:r>
+              <a:rPr lang="fr-FR" baseline="0" dirty="0" smtClean="0"/>
+              <a:t>Possède son propre SDK (une version modifiée de </a:t>
+            </a:r>
+            <a:r>
+              <a:rPr lang="fr-FR" baseline="0" dirty="0" err="1" smtClean="0"/>
+              <a:t>NetBeans</a:t>
+            </a:r>
+            <a:r>
+              <a:rPr lang="fr-FR" baseline="0" dirty="0" smtClean="0"/>
+              <a:t>) pour développer (mais nous </a:t>
             </a:r>
             <a:r>
               <a:rPr lang="fr-FR" baseline="0" dirty="0" err="1" smtClean="0"/>
@@ -1118,15 +1100,19 @@
             </a:r>
             <a:r>
               <a:rPr lang="fr-FR" baseline="0" dirty="0" err="1" smtClean="0"/>
-              <a:t>nifty</a:t>
+              <a:t>Nifty</a:t>
             </a:r>
             <a:r>
               <a:rPr lang="fr-FR" baseline="0" dirty="0" smtClean="0"/>
-              <a:t> pour écrans, </a:t>
+              <a:t> GUI pour les IHM, </a:t>
             </a:r>
             <a:r>
               <a:rPr lang="fr-FR" baseline="0" dirty="0" err="1" smtClean="0"/>
-              <a:t>etc</a:t>
+              <a:t>JBullet</a:t>
+            </a:r>
+            <a:r>
+              <a:rPr lang="fr-FR" baseline="0" dirty="0" smtClean="0"/>
+              <a:t> pour la physique</a:t>
             </a:r>
             <a:endParaRPr lang="fr-FR" dirty="0"/>
           </a:p>
@@ -1214,11 +1200,7 @@
           <a:p>
             <a:r>
               <a:rPr lang="fr-FR" dirty="0" smtClean="0"/>
-              <a:t>Diapo : </a:t>
-            </a:r>
-            <a:r>
-              <a:rPr lang="fr-FR" dirty="0" smtClean="0"/>
-              <a:t>Victor</a:t>
+              <a:t>Diapo : Victor</a:t>
             </a:r>
           </a:p>
           <a:p>
@@ -1458,19 +1440,7 @@
           <a:p>
             <a:r>
               <a:rPr lang="fr-FR" baseline="0" dirty="0" smtClean="0"/>
-              <a:t>A la fin de la diapo : </a:t>
-            </a:r>
-            <a:r>
-              <a:rPr lang="fr-FR" baseline="0" dirty="0" smtClean="0"/>
-              <a:t>DEMO </a:t>
-            </a:r>
-            <a:r>
-              <a:rPr lang="fr-FR" baseline="0" dirty="0" smtClean="0"/>
-              <a:t>par </a:t>
-            </a:r>
-            <a:r>
-              <a:rPr lang="fr-FR" baseline="0" dirty="0" smtClean="0"/>
-              <a:t>Benjamin </a:t>
+              <a:t>A la fin de la diapo : DEMO par Benjamin </a:t>
             </a:r>
             <a:endParaRPr lang="fr-FR" dirty="0"/>
           </a:p>
@@ -1635,11 +1605,7 @@
             </a:pPr>
             <a:r>
               <a:rPr lang="fr-FR" baseline="0" dirty="0" smtClean="0"/>
-              <a:t>Plus de </a:t>
-            </a:r>
-            <a:r>
-              <a:rPr lang="fr-FR" baseline="0" dirty="0" smtClean="0"/>
-              <a:t>formes possible</a:t>
+              <a:t>Plus de formes possible</a:t>
             </a:r>
           </a:p>
           <a:p>
@@ -1651,7 +1617,6 @@
               <a:rPr lang="fr-FR" baseline="0" dirty="0" smtClean="0"/>
               <a:t>Renommer et sauvegarder macros</a:t>
             </a:r>
-            <a:endParaRPr lang="fr-FR" baseline="0" dirty="0" smtClean="0"/>
           </a:p>
           <a:p>
             <a:pPr marL="171450" indent="-171450">
@@ -1675,19 +1640,7 @@
             </a:pPr>
             <a:r>
               <a:rPr lang="fr-FR" baseline="0" dirty="0" smtClean="0"/>
-              <a:t>Améliorer </a:t>
-            </a:r>
-            <a:r>
-              <a:rPr lang="fr-FR" baseline="0" dirty="0" smtClean="0"/>
-              <a:t>graphisme et design </a:t>
-            </a:r>
-            <a:r>
-              <a:rPr lang="fr-FR" baseline="0" dirty="0" smtClean="0"/>
-              <a:t>(Joueur + complet, prévisualisation des structures etc</a:t>
-            </a:r>
-            <a:r>
-              <a:rPr lang="fr-FR" baseline="0" dirty="0" smtClean="0"/>
-              <a:t>..)</a:t>
+              <a:t>Améliorer graphisme et design (Joueur + complet, prévisualisation des structures etc..)</a:t>
             </a:r>
           </a:p>
           <a:p>
@@ -5628,11 +5581,7 @@
           <a:p>
             <a:r>
               <a:rPr lang="fr-FR" dirty="0" smtClean="0"/>
-              <a:t>OLEA </a:t>
-            </a:r>
-            <a:r>
-              <a:rPr lang="fr-FR" dirty="0" smtClean="0"/>
-              <a:t>Anthony</a:t>
+              <a:t>OLEA Anthony</a:t>
             </a:r>
           </a:p>
           <a:p>
@@ -5644,18 +5593,12 @@
               <a:rPr lang="fr-FR" dirty="0" smtClean="0"/>
               <a:t>Benjamin</a:t>
             </a:r>
-            <a:endParaRPr lang="fr-FR" dirty="0" smtClean="0"/>
           </a:p>
           <a:p>
             <a:r>
               <a:rPr lang="fr-FR" dirty="0" smtClean="0"/>
-              <a:t>ESCARIEUX </a:t>
-            </a:r>
-            <a:r>
-              <a:rPr lang="fr-FR" dirty="0" smtClean="0"/>
-              <a:t>Guillaume</a:t>
-            </a:r>
-            <a:endParaRPr lang="fr-FR" dirty="0" smtClean="0"/>
+              <a:t>ESCARIEUX Guillaume</a:t>
+            </a:r>
           </a:p>
         </p:txBody>
       </p:sp>
@@ -5776,8 +5719,9 @@
           <a:p>
             <a:r>
               <a:rPr lang="fr-FR" dirty="0" smtClean="0"/>
-              <a:t>Contribution</a:t>
-            </a:r>
+              <a:t>Contributions</a:t>
+            </a:r>
+            <a:endParaRPr lang="fr-FR" dirty="0" smtClean="0"/>
           </a:p>
           <a:p>
             <a:r>
@@ -5955,21 +5899,29 @@
           <a:p>
             <a:r>
               <a:rPr lang="fr-FR" dirty="0" smtClean="0"/>
-              <a:t>Objectif commun</a:t>
+              <a:t>Objectifs communs</a:t>
             </a:r>
           </a:p>
           <a:p>
             <a:pPr lvl="1"/>
             <a:r>
               <a:rPr lang="fr-FR" dirty="0" smtClean="0"/>
-              <a:t>Utiliser et maitriser Git</a:t>
+              <a:t>Utiliser Git</a:t>
             </a:r>
           </a:p>
           <a:p>
             <a:pPr lvl="1"/>
             <a:r>
               <a:rPr lang="fr-FR" dirty="0" smtClean="0"/>
-              <a:t>Suivre la méthode Scrum</a:t>
+              <a:t>Suivre la méthode </a:t>
+            </a:r>
+            <a:r>
+              <a:rPr lang="fr-FR" dirty="0" err="1" smtClean="0"/>
+              <a:t>Scrum</a:t>
+            </a:r>
+            <a:r>
+              <a:rPr lang="fr-FR" dirty="0" smtClean="0"/>
+              <a:t> et des principes agiles</a:t>
             </a:r>
           </a:p>
           <a:p>
@@ -6331,8 +6283,12 @@
           <a:p>
             <a:pPr lvl="1"/>
             <a:r>
+              <a:rPr lang="fr-FR" dirty="0" err="1" smtClean="0"/>
+              <a:t>JMonkeyEngine</a:t>
+            </a:r>
+            <a:r>
               <a:rPr lang="fr-FR" dirty="0" smtClean="0"/>
-              <a:t>JMonkeyEngine</a:t>
+              <a:t> version </a:t>
             </a:r>
             <a:r>
               <a:rPr lang="fr-FR" dirty="0" smtClean="0">
@@ -6360,7 +6316,7 @@
       </p:sp>
       <p:pic>
         <p:nvPicPr>
-          <p:cNvPr id="1026" name="Picture 2" descr="C:\Users\Benjamin\Documents\COURS_EMN\UV_MiniProjet\1675386327_64af841db7_o.jpg"/>
+          <p:cNvPr id="1027" name="Picture 3" descr="C:\Users\Benjamin\Documents\COURS_EMN\UV_MiniProjet\Spirits3.jpg"/>
           <p:cNvPicPr>
             <a:picLocks noChangeAspect="1" noChangeArrowheads="1"/>
           </p:cNvPicPr>
@@ -6381,8 +6337,8 @@
         </p:blipFill>
         <p:spPr bwMode="auto">
           <a:xfrm>
-            <a:off x="6444208" y="1628800"/>
-            <a:ext cx="2362338" cy="2362338"/>
+            <a:off x="586684" y="3205722"/>
+            <a:ext cx="5616624" cy="3510390"/>
           </a:xfrm>
           <a:prstGeom prst="rect">
             <a:avLst/>
@@ -6401,7 +6357,7 @@
       </p:pic>
       <p:pic>
         <p:nvPicPr>
-          <p:cNvPr id="1027" name="Picture 3" descr="C:\Users\Benjamin\Documents\COURS_EMN\UV_MiniProjet\Spirits3.jpg"/>
+          <p:cNvPr id="4" name="Picture 2" descr="https://encrypted-tbn0.gstatic.com/images?q=tbn:ANd9GcRcccbySJWa0zb4lxGgr6otPIlVPBGaGoyujSRWmEmLXzBnZ6ak"/>
           <p:cNvPicPr>
             <a:picLocks noChangeAspect="1" noChangeArrowheads="1"/>
           </p:cNvPicPr>
@@ -6422,8 +6378,8 @@
         </p:blipFill>
         <p:spPr bwMode="auto">
           <a:xfrm>
-            <a:off x="586684" y="3205722"/>
-            <a:ext cx="5616624" cy="3510390"/>
+            <a:off x="6660232" y="1772816"/>
+            <a:ext cx="2143125" cy="2143125"/>
           </a:xfrm>
           <a:prstGeom prst="rect">
             <a:avLst/>
